--- a/Slide Deck.pptx
+++ b/Slide Deck.pptx
@@ -2,7 +2,7 @@
 <file path=ppt/presentation.xml><?xml version="1.0" encoding="utf-8"?>
 <p:presentation xmlns:a="http://schemas.openxmlformats.org/drawingml/2006/main" xmlns:r="http://schemas.openxmlformats.org/officeDocument/2006/relationships" xmlns:p="http://schemas.openxmlformats.org/presentationml/2006/main" saveSubsetFonts="1">
   <p:sldMasterIdLst>
-    <p:sldMasterId id="2147483672" r:id="rId1"/>
+    <p:sldMasterId id="2147483684" r:id="rId1"/>
   </p:sldMasterIdLst>
   <p:sldIdLst>
     <p:sldId id="261" r:id="rId2"/>
@@ -28,7 +28,7 @@
     <a:defPPr>
       <a:defRPr lang="en-US"/>
     </a:defPPr>
-    <a:lvl1pPr marL="0" algn="l" defTabSz="914400" rtl="0" eaLnBrk="1" latinLnBrk="0" hangingPunct="1">
+    <a:lvl1pPr marL="0" algn="l" defTabSz="457200" rtl="0" eaLnBrk="1" latinLnBrk="0" hangingPunct="1">
       <a:defRPr sz="1800" kern="1200">
         <a:solidFill>
           <a:schemeClr val="tx1"/>
@@ -38,7 +38,7 @@
         <a:cs typeface="+mn-cs"/>
       </a:defRPr>
     </a:lvl1pPr>
-    <a:lvl2pPr marL="457200" algn="l" defTabSz="914400" rtl="0" eaLnBrk="1" latinLnBrk="0" hangingPunct="1">
+    <a:lvl2pPr marL="457200" algn="l" defTabSz="457200" rtl="0" eaLnBrk="1" latinLnBrk="0" hangingPunct="1">
       <a:defRPr sz="1800" kern="1200">
         <a:solidFill>
           <a:schemeClr val="tx1"/>
@@ -48,7 +48,7 @@
         <a:cs typeface="+mn-cs"/>
       </a:defRPr>
     </a:lvl2pPr>
-    <a:lvl3pPr marL="914400" algn="l" defTabSz="914400" rtl="0" eaLnBrk="1" latinLnBrk="0" hangingPunct="1">
+    <a:lvl3pPr marL="914400" algn="l" defTabSz="457200" rtl="0" eaLnBrk="1" latinLnBrk="0" hangingPunct="1">
       <a:defRPr sz="1800" kern="1200">
         <a:solidFill>
           <a:schemeClr val="tx1"/>
@@ -58,7 +58,7 @@
         <a:cs typeface="+mn-cs"/>
       </a:defRPr>
     </a:lvl3pPr>
-    <a:lvl4pPr marL="1371600" algn="l" defTabSz="914400" rtl="0" eaLnBrk="1" latinLnBrk="0" hangingPunct="1">
+    <a:lvl4pPr marL="1371600" algn="l" defTabSz="457200" rtl="0" eaLnBrk="1" latinLnBrk="0" hangingPunct="1">
       <a:defRPr sz="1800" kern="1200">
         <a:solidFill>
           <a:schemeClr val="tx1"/>
@@ -68,7 +68,7 @@
         <a:cs typeface="+mn-cs"/>
       </a:defRPr>
     </a:lvl4pPr>
-    <a:lvl5pPr marL="1828800" algn="l" defTabSz="914400" rtl="0" eaLnBrk="1" latinLnBrk="0" hangingPunct="1">
+    <a:lvl5pPr marL="1828800" algn="l" defTabSz="457200" rtl="0" eaLnBrk="1" latinLnBrk="0" hangingPunct="1">
       <a:defRPr sz="1800" kern="1200">
         <a:solidFill>
           <a:schemeClr val="tx1"/>
@@ -78,7 +78,7 @@
         <a:cs typeface="+mn-cs"/>
       </a:defRPr>
     </a:lvl5pPr>
-    <a:lvl6pPr marL="2286000" algn="l" defTabSz="914400" rtl="0" eaLnBrk="1" latinLnBrk="0" hangingPunct="1">
+    <a:lvl6pPr marL="2286000" algn="l" defTabSz="457200" rtl="0" eaLnBrk="1" latinLnBrk="0" hangingPunct="1">
       <a:defRPr sz="1800" kern="1200">
         <a:solidFill>
           <a:schemeClr val="tx1"/>
@@ -88,7 +88,7 @@
         <a:cs typeface="+mn-cs"/>
       </a:defRPr>
     </a:lvl6pPr>
-    <a:lvl7pPr marL="2743200" algn="l" defTabSz="914400" rtl="0" eaLnBrk="1" latinLnBrk="0" hangingPunct="1">
+    <a:lvl7pPr marL="2743200" algn="l" defTabSz="457200" rtl="0" eaLnBrk="1" latinLnBrk="0" hangingPunct="1">
       <a:defRPr sz="1800" kern="1200">
         <a:solidFill>
           <a:schemeClr val="tx1"/>
@@ -98,7 +98,7 @@
         <a:cs typeface="+mn-cs"/>
       </a:defRPr>
     </a:lvl7pPr>
-    <a:lvl8pPr marL="3200400" algn="l" defTabSz="914400" rtl="0" eaLnBrk="1" latinLnBrk="0" hangingPunct="1">
+    <a:lvl8pPr marL="3200400" algn="l" defTabSz="457200" rtl="0" eaLnBrk="1" latinLnBrk="0" hangingPunct="1">
       <a:defRPr sz="1800" kern="1200">
         <a:solidFill>
           <a:schemeClr val="tx1"/>
@@ -108,7 +108,7 @@
         <a:cs typeface="+mn-cs"/>
       </a:defRPr>
     </a:lvl8pPr>
-    <a:lvl9pPr marL="3657600" algn="l" defTabSz="914400" rtl="0" eaLnBrk="1" latinLnBrk="0" hangingPunct="1">
+    <a:lvl9pPr marL="3657600" algn="l" defTabSz="457200" rtl="0" eaLnBrk="1" latinLnBrk="0" hangingPunct="1">
       <a:defRPr sz="1800" kern="1200">
         <a:solidFill>
           <a:schemeClr val="tx1"/>
@@ -146,13 +146,7 @@
       </p:grpSpPr>
       <p:sp>
         <p:nvSpPr>
-          <p:cNvPr id="2" name="Title 1">
-            <a:extLst>
-              <a:ext uri="{FF2B5EF4-FFF2-40B4-BE49-F238E27FC236}">
-                <a16:creationId xmlns:a16="http://schemas.microsoft.com/office/drawing/2014/main" id="{5AF49C81-46C3-4BA1-98AF-E4544F11E6AF}"/>
-              </a:ext>
-            </a:extLst>
-          </p:cNvPr>
+          <p:cNvPr id="2" name="Title 1"/>
           <p:cNvSpPr>
             <a:spLocks noGrp="1"/>
           </p:cNvSpPr>
@@ -178,18 +172,13 @@
               <a:rPr lang="en-US"/>
               <a:t>Click to edit Master title style</a:t>
             </a:r>
-          </a:p>
-        </p:txBody>
-      </p:sp>
-      <p:sp>
-        <p:nvSpPr>
-          <p:cNvPr id="3" name="Subtitle 2">
-            <a:extLst>
-              <a:ext uri="{FF2B5EF4-FFF2-40B4-BE49-F238E27FC236}">
-                <a16:creationId xmlns:a16="http://schemas.microsoft.com/office/drawing/2014/main" id="{97EFEB44-AB02-4FD8-AC86-338D3E84387A}"/>
-              </a:ext>
-            </a:extLst>
-          </p:cNvPr>
+            <a:endParaRPr lang="en-US" dirty="0"/>
+          </a:p>
+        </p:txBody>
+      </p:sp>
+      <p:sp>
+        <p:nvSpPr>
+          <p:cNvPr id="3" name="Subtitle 2"/>
           <p:cNvSpPr>
             <a:spLocks noGrp="1"/>
           </p:cNvSpPr>
@@ -248,18 +237,13 @@
               <a:rPr lang="en-US"/>
               <a:t>Click to edit Master subtitle style</a:t>
             </a:r>
-          </a:p>
-        </p:txBody>
-      </p:sp>
-      <p:sp>
-        <p:nvSpPr>
-          <p:cNvPr id="4" name="Date Placeholder 3">
-            <a:extLst>
-              <a:ext uri="{FF2B5EF4-FFF2-40B4-BE49-F238E27FC236}">
-                <a16:creationId xmlns:a16="http://schemas.microsoft.com/office/drawing/2014/main" id="{40BD40B6-F4FD-4718-8B58-E9C9E6857F03}"/>
-              </a:ext>
-            </a:extLst>
-          </p:cNvPr>
+            <a:endParaRPr lang="en-US" dirty="0"/>
+          </a:p>
+        </p:txBody>
+      </p:sp>
+      <p:sp>
+        <p:nvSpPr>
+          <p:cNvPr id="4" name="Date Placeholder 3"/>
           <p:cNvSpPr>
             <a:spLocks noGrp="1"/>
           </p:cNvSpPr>
@@ -282,13 +266,7 @@
       </p:sp>
       <p:sp>
         <p:nvSpPr>
-          <p:cNvPr id="5" name="Footer Placeholder 4">
-            <a:extLst>
-              <a:ext uri="{FF2B5EF4-FFF2-40B4-BE49-F238E27FC236}">
-                <a16:creationId xmlns:a16="http://schemas.microsoft.com/office/drawing/2014/main" id="{F7880C6E-7718-495A-901C-7EA8A2AC881F}"/>
-              </a:ext>
-            </a:extLst>
-          </p:cNvPr>
+          <p:cNvPr id="5" name="Footer Placeholder 4"/>
           <p:cNvSpPr>
             <a:spLocks noGrp="1"/>
           </p:cNvSpPr>
@@ -307,13 +285,7 @@
       </p:sp>
       <p:sp>
         <p:nvSpPr>
-          <p:cNvPr id="6" name="Slide Number Placeholder 5">
-            <a:extLst>
-              <a:ext uri="{FF2B5EF4-FFF2-40B4-BE49-F238E27FC236}">
-                <a16:creationId xmlns:a16="http://schemas.microsoft.com/office/drawing/2014/main" id="{1015AE3B-B89A-47AD-B3C6-E4EFBE6B4808}"/>
-              </a:ext>
-            </a:extLst>
-          </p:cNvPr>
+          <p:cNvPr id="6" name="Slide Number Placeholder 5"/>
           <p:cNvSpPr>
             <a:spLocks noGrp="1"/>
           </p:cNvSpPr>
@@ -337,7 +309,7 @@
     </p:spTree>
     <p:extLst>
       <p:ext uri="{BB962C8B-B14F-4D97-AF65-F5344CB8AC3E}">
-        <p14:creationId xmlns:p14="http://schemas.microsoft.com/office/powerpoint/2010/main" val="1199539749"/>
+        <p14:creationId xmlns:p14="http://schemas.microsoft.com/office/powerpoint/2010/main" val="2022400941"/>
       </p:ext>
     </p:extLst>
   </p:cSld>
@@ -366,13 +338,7 @@
       </p:grpSpPr>
       <p:sp>
         <p:nvSpPr>
-          <p:cNvPr id="2" name="Title 1">
-            <a:extLst>
-              <a:ext uri="{FF2B5EF4-FFF2-40B4-BE49-F238E27FC236}">
-                <a16:creationId xmlns:a16="http://schemas.microsoft.com/office/drawing/2014/main" id="{61E196CF-8A39-4FCF-AED0-09355426AC91}"/>
-              </a:ext>
-            </a:extLst>
-          </p:cNvPr>
+          <p:cNvPr id="2" name="Title 1"/>
           <p:cNvSpPr>
             <a:spLocks noGrp="1"/>
           </p:cNvSpPr>
@@ -389,18 +355,13 @@
               <a:rPr lang="en-US"/>
               <a:t>Click to edit Master title style</a:t>
             </a:r>
-          </a:p>
-        </p:txBody>
-      </p:sp>
-      <p:sp>
-        <p:nvSpPr>
-          <p:cNvPr id="3" name="Vertical Text Placeholder 2">
-            <a:extLst>
-              <a:ext uri="{FF2B5EF4-FFF2-40B4-BE49-F238E27FC236}">
-                <a16:creationId xmlns:a16="http://schemas.microsoft.com/office/drawing/2014/main" id="{CB18D8C4-7106-4846-9529-9F8B46B65531}"/>
-              </a:ext>
-            </a:extLst>
-          </p:cNvPr>
+            <a:endParaRPr lang="en-US" dirty="0"/>
+          </a:p>
+        </p:txBody>
+      </p:sp>
+      <p:sp>
+        <p:nvSpPr>
+          <p:cNvPr id="3" name="Vertical Text Placeholder 2"/>
           <p:cNvSpPr>
             <a:spLocks noGrp="1"/>
           </p:cNvSpPr>
@@ -446,18 +407,13 @@
               <a:rPr lang="en-US"/>
               <a:t>Fifth level</a:t>
             </a:r>
-          </a:p>
-        </p:txBody>
-      </p:sp>
-      <p:sp>
-        <p:nvSpPr>
-          <p:cNvPr id="4" name="Date Placeholder 3">
-            <a:extLst>
-              <a:ext uri="{FF2B5EF4-FFF2-40B4-BE49-F238E27FC236}">
-                <a16:creationId xmlns:a16="http://schemas.microsoft.com/office/drawing/2014/main" id="{07D907D2-A59F-49D3-84EA-24B1EBAEE167}"/>
-              </a:ext>
-            </a:extLst>
-          </p:cNvPr>
+            <a:endParaRPr lang="en-US" dirty="0"/>
+          </a:p>
+        </p:txBody>
+      </p:sp>
+      <p:sp>
+        <p:nvSpPr>
+          <p:cNvPr id="4" name="Date Placeholder 3"/>
           <p:cNvSpPr>
             <a:spLocks noGrp="1"/>
           </p:cNvSpPr>
@@ -480,13 +436,7 @@
       </p:sp>
       <p:sp>
         <p:nvSpPr>
-          <p:cNvPr id="5" name="Footer Placeholder 4">
-            <a:extLst>
-              <a:ext uri="{FF2B5EF4-FFF2-40B4-BE49-F238E27FC236}">
-                <a16:creationId xmlns:a16="http://schemas.microsoft.com/office/drawing/2014/main" id="{41BCCF02-FBA2-471A-9AA7-08EA84C560C1}"/>
-              </a:ext>
-            </a:extLst>
-          </p:cNvPr>
+          <p:cNvPr id="5" name="Footer Placeholder 4"/>
           <p:cNvSpPr>
             <a:spLocks noGrp="1"/>
           </p:cNvSpPr>
@@ -505,13 +455,7 @@
       </p:sp>
       <p:sp>
         <p:nvSpPr>
-          <p:cNvPr id="6" name="Slide Number Placeholder 5">
-            <a:extLst>
-              <a:ext uri="{FF2B5EF4-FFF2-40B4-BE49-F238E27FC236}">
-                <a16:creationId xmlns:a16="http://schemas.microsoft.com/office/drawing/2014/main" id="{9DA9544E-8C07-429D-8477-D464BFE67DE0}"/>
-              </a:ext>
-            </a:extLst>
-          </p:cNvPr>
+          <p:cNvPr id="6" name="Slide Number Placeholder 5"/>
           <p:cNvSpPr>
             <a:spLocks noGrp="1"/>
           </p:cNvSpPr>
@@ -535,7 +479,7 @@
     </p:spTree>
     <p:extLst>
       <p:ext uri="{BB962C8B-B14F-4D97-AF65-F5344CB8AC3E}">
-        <p14:creationId xmlns:p14="http://schemas.microsoft.com/office/powerpoint/2010/main" val="3556620232"/>
+        <p14:creationId xmlns:p14="http://schemas.microsoft.com/office/powerpoint/2010/main" val="285017850"/>
       </p:ext>
     </p:extLst>
   </p:cSld>
@@ -564,13 +508,7 @@
       </p:grpSpPr>
       <p:sp>
         <p:nvSpPr>
-          <p:cNvPr id="2" name="Vertical Title 1">
-            <a:extLst>
-              <a:ext uri="{FF2B5EF4-FFF2-40B4-BE49-F238E27FC236}">
-                <a16:creationId xmlns:a16="http://schemas.microsoft.com/office/drawing/2014/main" id="{20FCC1DF-5983-435D-B6F1-D42E4BB6B258}"/>
-              </a:ext>
-            </a:extLst>
-          </p:cNvPr>
+          <p:cNvPr id="2" name="Vertical Title 1"/>
           <p:cNvSpPr>
             <a:spLocks noGrp="1"/>
           </p:cNvSpPr>
@@ -592,18 +530,13 @@
               <a:rPr lang="en-US"/>
               <a:t>Click to edit Master title style</a:t>
             </a:r>
-          </a:p>
-        </p:txBody>
-      </p:sp>
-      <p:sp>
-        <p:nvSpPr>
-          <p:cNvPr id="3" name="Vertical Text Placeholder 2">
-            <a:extLst>
-              <a:ext uri="{FF2B5EF4-FFF2-40B4-BE49-F238E27FC236}">
-                <a16:creationId xmlns:a16="http://schemas.microsoft.com/office/drawing/2014/main" id="{F8AB7A7C-AE5B-4897-BFC7-0268B1E2DDF8}"/>
-              </a:ext>
-            </a:extLst>
-          </p:cNvPr>
+            <a:endParaRPr lang="en-US" dirty="0"/>
+          </a:p>
+        </p:txBody>
+      </p:sp>
+      <p:sp>
+        <p:nvSpPr>
+          <p:cNvPr id="3" name="Vertical Text Placeholder 2"/>
           <p:cNvSpPr>
             <a:spLocks noGrp="1"/>
           </p:cNvSpPr>
@@ -654,18 +587,13 @@
               <a:rPr lang="en-US"/>
               <a:t>Fifth level</a:t>
             </a:r>
-          </a:p>
-        </p:txBody>
-      </p:sp>
-      <p:sp>
-        <p:nvSpPr>
-          <p:cNvPr id="4" name="Date Placeholder 3">
-            <a:extLst>
-              <a:ext uri="{FF2B5EF4-FFF2-40B4-BE49-F238E27FC236}">
-                <a16:creationId xmlns:a16="http://schemas.microsoft.com/office/drawing/2014/main" id="{13301946-7983-4F32-A909-5C8335B9D0A3}"/>
-              </a:ext>
-            </a:extLst>
-          </p:cNvPr>
+            <a:endParaRPr lang="en-US" dirty="0"/>
+          </a:p>
+        </p:txBody>
+      </p:sp>
+      <p:sp>
+        <p:nvSpPr>
+          <p:cNvPr id="4" name="Date Placeholder 3"/>
           <p:cNvSpPr>
             <a:spLocks noGrp="1"/>
           </p:cNvSpPr>
@@ -688,13 +616,7 @@
       </p:sp>
       <p:sp>
         <p:nvSpPr>
-          <p:cNvPr id="5" name="Footer Placeholder 4">
-            <a:extLst>
-              <a:ext uri="{FF2B5EF4-FFF2-40B4-BE49-F238E27FC236}">
-                <a16:creationId xmlns:a16="http://schemas.microsoft.com/office/drawing/2014/main" id="{03A55247-1059-42DE-B140-087F2FAFBB3F}"/>
-              </a:ext>
-            </a:extLst>
-          </p:cNvPr>
+          <p:cNvPr id="5" name="Footer Placeholder 4"/>
           <p:cNvSpPr>
             <a:spLocks noGrp="1"/>
           </p:cNvSpPr>
@@ -713,13 +635,7 @@
       </p:sp>
       <p:sp>
         <p:nvSpPr>
-          <p:cNvPr id="6" name="Slide Number Placeholder 5">
-            <a:extLst>
-              <a:ext uri="{FF2B5EF4-FFF2-40B4-BE49-F238E27FC236}">
-                <a16:creationId xmlns:a16="http://schemas.microsoft.com/office/drawing/2014/main" id="{CF3DA500-FB6C-47A7-B149-119DF41AADC2}"/>
-              </a:ext>
-            </a:extLst>
-          </p:cNvPr>
+          <p:cNvPr id="6" name="Slide Number Placeholder 5"/>
           <p:cNvSpPr>
             <a:spLocks noGrp="1"/>
           </p:cNvSpPr>
@@ -743,7 +659,7 @@
     </p:spTree>
     <p:extLst>
       <p:ext uri="{BB962C8B-B14F-4D97-AF65-F5344CB8AC3E}">
-        <p14:creationId xmlns:p14="http://schemas.microsoft.com/office/powerpoint/2010/main" val="2949497553"/>
+        <p14:creationId xmlns:p14="http://schemas.microsoft.com/office/powerpoint/2010/main" val="3107663723"/>
       </p:ext>
     </p:extLst>
   </p:cSld>
@@ -772,13 +688,7 @@
       </p:grpSpPr>
       <p:sp>
         <p:nvSpPr>
-          <p:cNvPr id="2" name="Title 1">
-            <a:extLst>
-              <a:ext uri="{FF2B5EF4-FFF2-40B4-BE49-F238E27FC236}">
-                <a16:creationId xmlns:a16="http://schemas.microsoft.com/office/drawing/2014/main" id="{C28601A4-B3C5-4C37-9F2A-3C637E5E1CBE}"/>
-              </a:ext>
-            </a:extLst>
-          </p:cNvPr>
+          <p:cNvPr id="2" name="Title 1"/>
           <p:cNvSpPr>
             <a:spLocks noGrp="1"/>
           </p:cNvSpPr>
@@ -795,18 +705,13 @@
               <a:rPr lang="en-US"/>
               <a:t>Click to edit Master title style</a:t>
             </a:r>
-          </a:p>
-        </p:txBody>
-      </p:sp>
-      <p:sp>
-        <p:nvSpPr>
-          <p:cNvPr id="3" name="Content Placeholder 2">
-            <a:extLst>
-              <a:ext uri="{FF2B5EF4-FFF2-40B4-BE49-F238E27FC236}">
-                <a16:creationId xmlns:a16="http://schemas.microsoft.com/office/drawing/2014/main" id="{C95BF6BD-8EC1-47BC-9D3C-53F5EA5E57BF}"/>
-              </a:ext>
-            </a:extLst>
-          </p:cNvPr>
+            <a:endParaRPr lang="en-US" dirty="0"/>
+          </a:p>
+        </p:txBody>
+      </p:sp>
+      <p:sp>
+        <p:nvSpPr>
+          <p:cNvPr id="3" name="Content Placeholder 2"/>
           <p:cNvSpPr>
             <a:spLocks noGrp="1"/>
           </p:cNvSpPr>
@@ -852,18 +757,13 @@
               <a:rPr lang="en-US"/>
               <a:t>Fifth level</a:t>
             </a:r>
-          </a:p>
-        </p:txBody>
-      </p:sp>
-      <p:sp>
-        <p:nvSpPr>
-          <p:cNvPr id="4" name="Date Placeholder 3">
-            <a:extLst>
-              <a:ext uri="{FF2B5EF4-FFF2-40B4-BE49-F238E27FC236}">
-                <a16:creationId xmlns:a16="http://schemas.microsoft.com/office/drawing/2014/main" id="{A7123D2C-D9EC-469C-A1AD-A65DC69D8986}"/>
-              </a:ext>
-            </a:extLst>
-          </p:cNvPr>
+            <a:endParaRPr lang="en-US" dirty="0"/>
+          </a:p>
+        </p:txBody>
+      </p:sp>
+      <p:sp>
+        <p:nvSpPr>
+          <p:cNvPr id="4" name="Date Placeholder 3"/>
           <p:cNvSpPr>
             <a:spLocks noGrp="1"/>
           </p:cNvSpPr>
@@ -886,13 +786,7 @@
       </p:sp>
       <p:sp>
         <p:nvSpPr>
-          <p:cNvPr id="5" name="Footer Placeholder 4">
-            <a:extLst>
-              <a:ext uri="{FF2B5EF4-FFF2-40B4-BE49-F238E27FC236}">
-                <a16:creationId xmlns:a16="http://schemas.microsoft.com/office/drawing/2014/main" id="{A1CBD1DC-6736-406F-B3CE-0F3F7FA3A80E}"/>
-              </a:ext>
-            </a:extLst>
-          </p:cNvPr>
+          <p:cNvPr id="5" name="Footer Placeholder 4"/>
           <p:cNvSpPr>
             <a:spLocks noGrp="1"/>
           </p:cNvSpPr>
@@ -911,13 +805,7 @@
       </p:sp>
       <p:sp>
         <p:nvSpPr>
-          <p:cNvPr id="6" name="Slide Number Placeholder 5">
-            <a:extLst>
-              <a:ext uri="{FF2B5EF4-FFF2-40B4-BE49-F238E27FC236}">
-                <a16:creationId xmlns:a16="http://schemas.microsoft.com/office/drawing/2014/main" id="{BA00FCFC-3885-47C8-9C6A-0AFD125C16E6}"/>
-              </a:ext>
-            </a:extLst>
-          </p:cNvPr>
+          <p:cNvPr id="6" name="Slide Number Placeholder 5"/>
           <p:cNvSpPr>
             <a:spLocks noGrp="1"/>
           </p:cNvSpPr>
@@ -941,7 +829,7 @@
     </p:spTree>
     <p:extLst>
       <p:ext uri="{BB962C8B-B14F-4D97-AF65-F5344CB8AC3E}">
-        <p14:creationId xmlns:p14="http://schemas.microsoft.com/office/powerpoint/2010/main" val="660355762"/>
+        <p14:creationId xmlns:p14="http://schemas.microsoft.com/office/powerpoint/2010/main" val="3511578893"/>
       </p:ext>
     </p:extLst>
   </p:cSld>
@@ -970,13 +858,7 @@
       </p:grpSpPr>
       <p:sp>
         <p:nvSpPr>
-          <p:cNvPr id="2" name="Title 1">
-            <a:extLst>
-              <a:ext uri="{FF2B5EF4-FFF2-40B4-BE49-F238E27FC236}">
-                <a16:creationId xmlns:a16="http://schemas.microsoft.com/office/drawing/2014/main" id="{1725723D-9895-4A13-A14E-1E06B4EF86BD}"/>
-              </a:ext>
-            </a:extLst>
-          </p:cNvPr>
+          <p:cNvPr id="2" name="Title 1"/>
           <p:cNvSpPr>
             <a:spLocks noGrp="1"/>
           </p:cNvSpPr>
@@ -1002,18 +884,13 @@
               <a:rPr lang="en-US"/>
               <a:t>Click to edit Master title style</a:t>
             </a:r>
-          </a:p>
-        </p:txBody>
-      </p:sp>
-      <p:sp>
-        <p:nvSpPr>
-          <p:cNvPr id="3" name="Text Placeholder 2">
-            <a:extLst>
-              <a:ext uri="{FF2B5EF4-FFF2-40B4-BE49-F238E27FC236}">
-                <a16:creationId xmlns:a16="http://schemas.microsoft.com/office/drawing/2014/main" id="{08089DD6-ED84-4F34-90B4-D424F06076B0}"/>
-              </a:ext>
-            </a:extLst>
-          </p:cNvPr>
+            <a:endParaRPr lang="en-US" dirty="0"/>
+          </a:p>
+        </p:txBody>
+      </p:sp>
+      <p:sp>
+        <p:nvSpPr>
+          <p:cNvPr id="3" name="Text Placeholder 2"/>
           <p:cNvSpPr>
             <a:spLocks noGrp="1"/>
           </p:cNvSpPr>
@@ -1132,13 +1009,7 @@
       </p:sp>
       <p:sp>
         <p:nvSpPr>
-          <p:cNvPr id="4" name="Date Placeholder 3">
-            <a:extLst>
-              <a:ext uri="{FF2B5EF4-FFF2-40B4-BE49-F238E27FC236}">
-                <a16:creationId xmlns:a16="http://schemas.microsoft.com/office/drawing/2014/main" id="{BEBC7FF5-356A-4E68-BB50-4B1C7631F809}"/>
-              </a:ext>
-            </a:extLst>
-          </p:cNvPr>
+          <p:cNvPr id="4" name="Date Placeholder 3"/>
           <p:cNvSpPr>
             <a:spLocks noGrp="1"/>
           </p:cNvSpPr>
@@ -1161,13 +1032,7 @@
       </p:sp>
       <p:sp>
         <p:nvSpPr>
-          <p:cNvPr id="5" name="Footer Placeholder 4">
-            <a:extLst>
-              <a:ext uri="{FF2B5EF4-FFF2-40B4-BE49-F238E27FC236}">
-                <a16:creationId xmlns:a16="http://schemas.microsoft.com/office/drawing/2014/main" id="{21549B33-4E42-477A-BA10-B981669772A3}"/>
-              </a:ext>
-            </a:extLst>
-          </p:cNvPr>
+          <p:cNvPr id="5" name="Footer Placeholder 4"/>
           <p:cNvSpPr>
             <a:spLocks noGrp="1"/>
           </p:cNvSpPr>
@@ -1186,13 +1051,7 @@
       </p:sp>
       <p:sp>
         <p:nvSpPr>
-          <p:cNvPr id="6" name="Slide Number Placeholder 5">
-            <a:extLst>
-              <a:ext uri="{FF2B5EF4-FFF2-40B4-BE49-F238E27FC236}">
-                <a16:creationId xmlns:a16="http://schemas.microsoft.com/office/drawing/2014/main" id="{DE411F33-1A15-46D9-8E6C-F4BA8E0F4795}"/>
-              </a:ext>
-            </a:extLst>
-          </p:cNvPr>
+          <p:cNvPr id="6" name="Slide Number Placeholder 5"/>
           <p:cNvSpPr>
             <a:spLocks noGrp="1"/>
           </p:cNvSpPr>
@@ -1216,7 +1075,7 @@
     </p:spTree>
     <p:extLst>
       <p:ext uri="{BB962C8B-B14F-4D97-AF65-F5344CB8AC3E}">
-        <p14:creationId xmlns:p14="http://schemas.microsoft.com/office/powerpoint/2010/main" val="120281475"/>
+        <p14:creationId xmlns:p14="http://schemas.microsoft.com/office/powerpoint/2010/main" val="661058956"/>
       </p:ext>
     </p:extLst>
   </p:cSld>
@@ -1245,13 +1104,7 @@
       </p:grpSpPr>
       <p:sp>
         <p:nvSpPr>
-          <p:cNvPr id="2" name="Title 1">
-            <a:extLst>
-              <a:ext uri="{FF2B5EF4-FFF2-40B4-BE49-F238E27FC236}">
-                <a16:creationId xmlns:a16="http://schemas.microsoft.com/office/drawing/2014/main" id="{002E45EE-7375-448A-836E-9F63DB8B6B25}"/>
-              </a:ext>
-            </a:extLst>
-          </p:cNvPr>
+          <p:cNvPr id="2" name="Title 1"/>
           <p:cNvSpPr>
             <a:spLocks noGrp="1"/>
           </p:cNvSpPr>
@@ -1268,18 +1121,13 @@
               <a:rPr lang="en-US"/>
               <a:t>Click to edit Master title style</a:t>
             </a:r>
-          </a:p>
-        </p:txBody>
-      </p:sp>
-      <p:sp>
-        <p:nvSpPr>
-          <p:cNvPr id="3" name="Content Placeholder 2">
-            <a:extLst>
-              <a:ext uri="{FF2B5EF4-FFF2-40B4-BE49-F238E27FC236}">
-                <a16:creationId xmlns:a16="http://schemas.microsoft.com/office/drawing/2014/main" id="{79E1A861-7656-4EFF-8317-5208E0311BEA}"/>
-              </a:ext>
-            </a:extLst>
-          </p:cNvPr>
+            <a:endParaRPr lang="en-US" dirty="0"/>
+          </a:p>
+        </p:txBody>
+      </p:sp>
+      <p:sp>
+        <p:nvSpPr>
+          <p:cNvPr id="3" name="Content Placeholder 2"/>
           <p:cNvSpPr>
             <a:spLocks noGrp="1"/>
           </p:cNvSpPr>
@@ -1330,18 +1178,13 @@
               <a:rPr lang="en-US"/>
               <a:t>Fifth level</a:t>
             </a:r>
-          </a:p>
-        </p:txBody>
-      </p:sp>
-      <p:sp>
-        <p:nvSpPr>
-          <p:cNvPr id="4" name="Content Placeholder 3">
-            <a:extLst>
-              <a:ext uri="{FF2B5EF4-FFF2-40B4-BE49-F238E27FC236}">
-                <a16:creationId xmlns:a16="http://schemas.microsoft.com/office/drawing/2014/main" id="{A23E7DC8-6C34-4BCF-8EA0-BE01A5785357}"/>
-              </a:ext>
-            </a:extLst>
-          </p:cNvPr>
+            <a:endParaRPr lang="en-US" dirty="0"/>
+          </a:p>
+        </p:txBody>
+      </p:sp>
+      <p:sp>
+        <p:nvSpPr>
+          <p:cNvPr id="4" name="Content Placeholder 3"/>
           <p:cNvSpPr>
             <a:spLocks noGrp="1"/>
           </p:cNvSpPr>
@@ -1392,18 +1235,13 @@
               <a:rPr lang="en-US"/>
               <a:t>Fifth level</a:t>
             </a:r>
-          </a:p>
-        </p:txBody>
-      </p:sp>
-      <p:sp>
-        <p:nvSpPr>
-          <p:cNvPr id="5" name="Date Placeholder 4">
-            <a:extLst>
-              <a:ext uri="{FF2B5EF4-FFF2-40B4-BE49-F238E27FC236}">
-                <a16:creationId xmlns:a16="http://schemas.microsoft.com/office/drawing/2014/main" id="{1C0AC7EF-EF99-4116-B8ED-B2536BECEE4B}"/>
-              </a:ext>
-            </a:extLst>
-          </p:cNvPr>
+            <a:endParaRPr lang="en-US" dirty="0"/>
+          </a:p>
+        </p:txBody>
+      </p:sp>
+      <p:sp>
+        <p:nvSpPr>
+          <p:cNvPr id="5" name="Date Placeholder 4"/>
           <p:cNvSpPr>
             <a:spLocks noGrp="1"/>
           </p:cNvSpPr>
@@ -1426,13 +1264,7 @@
       </p:sp>
       <p:sp>
         <p:nvSpPr>
-          <p:cNvPr id="6" name="Footer Placeholder 5">
-            <a:extLst>
-              <a:ext uri="{FF2B5EF4-FFF2-40B4-BE49-F238E27FC236}">
-                <a16:creationId xmlns:a16="http://schemas.microsoft.com/office/drawing/2014/main" id="{607C1367-4478-4902-8050-E78A09359579}"/>
-              </a:ext>
-            </a:extLst>
-          </p:cNvPr>
+          <p:cNvPr id="6" name="Footer Placeholder 5"/>
           <p:cNvSpPr>
             <a:spLocks noGrp="1"/>
           </p:cNvSpPr>
@@ -1451,13 +1283,7 @@
       </p:sp>
       <p:sp>
         <p:nvSpPr>
-          <p:cNvPr id="7" name="Slide Number Placeholder 6">
-            <a:extLst>
-              <a:ext uri="{FF2B5EF4-FFF2-40B4-BE49-F238E27FC236}">
-                <a16:creationId xmlns:a16="http://schemas.microsoft.com/office/drawing/2014/main" id="{A2BA3148-EDC0-4648-B899-9D7B10D0DDF8}"/>
-              </a:ext>
-            </a:extLst>
-          </p:cNvPr>
+          <p:cNvPr id="7" name="Slide Number Placeholder 6"/>
           <p:cNvSpPr>
             <a:spLocks noGrp="1"/>
           </p:cNvSpPr>
@@ -1481,7 +1307,7 @@
     </p:spTree>
     <p:extLst>
       <p:ext uri="{BB962C8B-B14F-4D97-AF65-F5344CB8AC3E}">
-        <p14:creationId xmlns:p14="http://schemas.microsoft.com/office/powerpoint/2010/main" val="3565916432"/>
+        <p14:creationId xmlns:p14="http://schemas.microsoft.com/office/powerpoint/2010/main" val="1425980640"/>
       </p:ext>
     </p:extLst>
   </p:cSld>
@@ -1510,13 +1336,7 @@
       </p:grpSpPr>
       <p:sp>
         <p:nvSpPr>
-          <p:cNvPr id="2" name="Title 1">
-            <a:extLst>
-              <a:ext uri="{FF2B5EF4-FFF2-40B4-BE49-F238E27FC236}">
-                <a16:creationId xmlns:a16="http://schemas.microsoft.com/office/drawing/2014/main" id="{D925902B-41D3-408F-A730-823B88FE0724}"/>
-              </a:ext>
-            </a:extLst>
-          </p:cNvPr>
+          <p:cNvPr id="2" name="Title 1"/>
           <p:cNvSpPr>
             <a:spLocks noGrp="1"/>
           </p:cNvSpPr>
@@ -1538,18 +1358,13 @@
               <a:rPr lang="en-US"/>
               <a:t>Click to edit Master title style</a:t>
             </a:r>
-          </a:p>
-        </p:txBody>
-      </p:sp>
-      <p:sp>
-        <p:nvSpPr>
-          <p:cNvPr id="3" name="Text Placeholder 2">
-            <a:extLst>
-              <a:ext uri="{FF2B5EF4-FFF2-40B4-BE49-F238E27FC236}">
-                <a16:creationId xmlns:a16="http://schemas.microsoft.com/office/drawing/2014/main" id="{9B307AFA-FFBB-4EE0-998B-2F65B1445E1E}"/>
-              </a:ext>
-            </a:extLst>
-          </p:cNvPr>
+            <a:endParaRPr lang="en-US" dirty="0"/>
+          </a:p>
+        </p:txBody>
+      </p:sp>
+      <p:sp>
+        <p:nvSpPr>
+          <p:cNvPr id="3" name="Text Placeholder 2"/>
           <p:cNvSpPr>
             <a:spLocks noGrp="1"/>
           </p:cNvSpPr>
@@ -1614,13 +1429,7 @@
       </p:sp>
       <p:sp>
         <p:nvSpPr>
-          <p:cNvPr id="4" name="Content Placeholder 3">
-            <a:extLst>
-              <a:ext uri="{FF2B5EF4-FFF2-40B4-BE49-F238E27FC236}">
-                <a16:creationId xmlns:a16="http://schemas.microsoft.com/office/drawing/2014/main" id="{C98D615D-F8BE-458A-9885-C6D6F533E60A}"/>
-              </a:ext>
-            </a:extLst>
-          </p:cNvPr>
+          <p:cNvPr id="4" name="Content Placeholder 3"/>
           <p:cNvSpPr>
             <a:spLocks noGrp="1"/>
           </p:cNvSpPr>
@@ -1671,18 +1480,13 @@
               <a:rPr lang="en-US"/>
               <a:t>Fifth level</a:t>
             </a:r>
-          </a:p>
-        </p:txBody>
-      </p:sp>
-      <p:sp>
-        <p:nvSpPr>
-          <p:cNvPr id="5" name="Text Placeholder 4">
-            <a:extLst>
-              <a:ext uri="{FF2B5EF4-FFF2-40B4-BE49-F238E27FC236}">
-                <a16:creationId xmlns:a16="http://schemas.microsoft.com/office/drawing/2014/main" id="{C35E9491-D66B-4567-B6EE-B863C7ED79F6}"/>
-              </a:ext>
-            </a:extLst>
-          </p:cNvPr>
+            <a:endParaRPr lang="en-US" dirty="0"/>
+          </a:p>
+        </p:txBody>
+      </p:sp>
+      <p:sp>
+        <p:nvSpPr>
+          <p:cNvPr id="5" name="Text Placeholder 4"/>
           <p:cNvSpPr>
             <a:spLocks noGrp="1"/>
           </p:cNvSpPr>
@@ -1747,13 +1551,7 @@
       </p:sp>
       <p:sp>
         <p:nvSpPr>
-          <p:cNvPr id="6" name="Content Placeholder 5">
-            <a:extLst>
-              <a:ext uri="{FF2B5EF4-FFF2-40B4-BE49-F238E27FC236}">
-                <a16:creationId xmlns:a16="http://schemas.microsoft.com/office/drawing/2014/main" id="{2DBFF4A6-36BB-4ECA-8FF3-02D45CAA5821}"/>
-              </a:ext>
-            </a:extLst>
-          </p:cNvPr>
+          <p:cNvPr id="6" name="Content Placeholder 5"/>
           <p:cNvSpPr>
             <a:spLocks noGrp="1"/>
           </p:cNvSpPr>
@@ -1804,18 +1602,13 @@
               <a:rPr lang="en-US"/>
               <a:t>Fifth level</a:t>
             </a:r>
-          </a:p>
-        </p:txBody>
-      </p:sp>
-      <p:sp>
-        <p:nvSpPr>
-          <p:cNvPr id="7" name="Date Placeholder 6">
-            <a:extLst>
-              <a:ext uri="{FF2B5EF4-FFF2-40B4-BE49-F238E27FC236}">
-                <a16:creationId xmlns:a16="http://schemas.microsoft.com/office/drawing/2014/main" id="{B1E6BF44-26B7-4C8E-93CF-12F326276A0B}"/>
-              </a:ext>
-            </a:extLst>
-          </p:cNvPr>
+            <a:endParaRPr lang="en-US" dirty="0"/>
+          </a:p>
+        </p:txBody>
+      </p:sp>
+      <p:sp>
+        <p:nvSpPr>
+          <p:cNvPr id="7" name="Date Placeholder 6"/>
           <p:cNvSpPr>
             <a:spLocks noGrp="1"/>
           </p:cNvSpPr>
@@ -1838,13 +1631,7 @@
       </p:sp>
       <p:sp>
         <p:nvSpPr>
-          <p:cNvPr id="8" name="Footer Placeholder 7">
-            <a:extLst>
-              <a:ext uri="{FF2B5EF4-FFF2-40B4-BE49-F238E27FC236}">
-                <a16:creationId xmlns:a16="http://schemas.microsoft.com/office/drawing/2014/main" id="{A1EBDED2-9600-4758-9672-F35ECCC55748}"/>
-              </a:ext>
-            </a:extLst>
-          </p:cNvPr>
+          <p:cNvPr id="8" name="Footer Placeholder 7"/>
           <p:cNvSpPr>
             <a:spLocks noGrp="1"/>
           </p:cNvSpPr>
@@ -1863,13 +1650,7 @@
       </p:sp>
       <p:sp>
         <p:nvSpPr>
-          <p:cNvPr id="9" name="Slide Number Placeholder 8">
-            <a:extLst>
-              <a:ext uri="{FF2B5EF4-FFF2-40B4-BE49-F238E27FC236}">
-                <a16:creationId xmlns:a16="http://schemas.microsoft.com/office/drawing/2014/main" id="{0BF501AA-CA90-4C48-BB9F-8AD0A1CF1DBB}"/>
-              </a:ext>
-            </a:extLst>
-          </p:cNvPr>
+          <p:cNvPr id="9" name="Slide Number Placeholder 8"/>
           <p:cNvSpPr>
             <a:spLocks noGrp="1"/>
           </p:cNvSpPr>
@@ -1893,7 +1674,7 @@
     </p:spTree>
     <p:extLst>
       <p:ext uri="{BB962C8B-B14F-4D97-AF65-F5344CB8AC3E}">
-        <p14:creationId xmlns:p14="http://schemas.microsoft.com/office/powerpoint/2010/main" val="1450359940"/>
+        <p14:creationId xmlns:p14="http://schemas.microsoft.com/office/powerpoint/2010/main" val="1905190445"/>
       </p:ext>
     </p:extLst>
   </p:cSld>
@@ -1922,13 +1703,7 @@
       </p:grpSpPr>
       <p:sp>
         <p:nvSpPr>
-          <p:cNvPr id="2" name="Title 1">
-            <a:extLst>
-              <a:ext uri="{FF2B5EF4-FFF2-40B4-BE49-F238E27FC236}">
-                <a16:creationId xmlns:a16="http://schemas.microsoft.com/office/drawing/2014/main" id="{BEF2B0DD-3256-4D03-8D55-F28B83908E98}"/>
-              </a:ext>
-            </a:extLst>
-          </p:cNvPr>
+          <p:cNvPr id="2" name="Title 1"/>
           <p:cNvSpPr>
             <a:spLocks noGrp="1"/>
           </p:cNvSpPr>
@@ -1945,18 +1720,13 @@
               <a:rPr lang="en-US"/>
               <a:t>Click to edit Master title style</a:t>
             </a:r>
-          </a:p>
-        </p:txBody>
-      </p:sp>
-      <p:sp>
-        <p:nvSpPr>
-          <p:cNvPr id="3" name="Date Placeholder 2">
-            <a:extLst>
-              <a:ext uri="{FF2B5EF4-FFF2-40B4-BE49-F238E27FC236}">
-                <a16:creationId xmlns:a16="http://schemas.microsoft.com/office/drawing/2014/main" id="{950DBFD6-7BB1-443B-9DFB-FEA3FBDA3ED0}"/>
-              </a:ext>
-            </a:extLst>
-          </p:cNvPr>
+            <a:endParaRPr lang="en-US" dirty="0"/>
+          </a:p>
+        </p:txBody>
+      </p:sp>
+      <p:sp>
+        <p:nvSpPr>
+          <p:cNvPr id="3" name="Date Placeholder 2"/>
           <p:cNvSpPr>
             <a:spLocks noGrp="1"/>
           </p:cNvSpPr>
@@ -1979,13 +1749,7 @@
       </p:sp>
       <p:sp>
         <p:nvSpPr>
-          <p:cNvPr id="4" name="Footer Placeholder 3">
-            <a:extLst>
-              <a:ext uri="{FF2B5EF4-FFF2-40B4-BE49-F238E27FC236}">
-                <a16:creationId xmlns:a16="http://schemas.microsoft.com/office/drawing/2014/main" id="{80620447-A7B7-4D5D-BCB4-9B3E08DAE70E}"/>
-              </a:ext>
-            </a:extLst>
-          </p:cNvPr>
+          <p:cNvPr id="4" name="Footer Placeholder 3"/>
           <p:cNvSpPr>
             <a:spLocks noGrp="1"/>
           </p:cNvSpPr>
@@ -2004,13 +1768,7 @@
       </p:sp>
       <p:sp>
         <p:nvSpPr>
-          <p:cNvPr id="5" name="Slide Number Placeholder 4">
-            <a:extLst>
-              <a:ext uri="{FF2B5EF4-FFF2-40B4-BE49-F238E27FC236}">
-                <a16:creationId xmlns:a16="http://schemas.microsoft.com/office/drawing/2014/main" id="{F4E00EA4-6648-4BCD-B999-2D8A39ECF3F2}"/>
-              </a:ext>
-            </a:extLst>
-          </p:cNvPr>
+          <p:cNvPr id="5" name="Slide Number Placeholder 4"/>
           <p:cNvSpPr>
             <a:spLocks noGrp="1"/>
           </p:cNvSpPr>
@@ -2034,7 +1792,7 @@
     </p:spTree>
     <p:extLst>
       <p:ext uri="{BB962C8B-B14F-4D97-AF65-F5344CB8AC3E}">
-        <p14:creationId xmlns:p14="http://schemas.microsoft.com/office/powerpoint/2010/main" val="2430751058"/>
+        <p14:creationId xmlns:p14="http://schemas.microsoft.com/office/powerpoint/2010/main" val="183120648"/>
       </p:ext>
     </p:extLst>
   </p:cSld>
@@ -2063,13 +1821,7 @@
       </p:grpSpPr>
       <p:sp>
         <p:nvSpPr>
-          <p:cNvPr id="2" name="Date Placeholder 1">
-            <a:extLst>
-              <a:ext uri="{FF2B5EF4-FFF2-40B4-BE49-F238E27FC236}">
-                <a16:creationId xmlns:a16="http://schemas.microsoft.com/office/drawing/2014/main" id="{1578FA85-C29F-40CB-9904-1C1C8B527A94}"/>
-              </a:ext>
-            </a:extLst>
-          </p:cNvPr>
+          <p:cNvPr id="2" name="Date Placeholder 1"/>
           <p:cNvSpPr>
             <a:spLocks noGrp="1"/>
           </p:cNvSpPr>
@@ -2092,13 +1844,7 @@
       </p:sp>
       <p:sp>
         <p:nvSpPr>
-          <p:cNvPr id="3" name="Footer Placeholder 2">
-            <a:extLst>
-              <a:ext uri="{FF2B5EF4-FFF2-40B4-BE49-F238E27FC236}">
-                <a16:creationId xmlns:a16="http://schemas.microsoft.com/office/drawing/2014/main" id="{25B4B301-32FA-4D16-B942-33A67C60A853}"/>
-              </a:ext>
-            </a:extLst>
-          </p:cNvPr>
+          <p:cNvPr id="3" name="Footer Placeholder 2"/>
           <p:cNvSpPr>
             <a:spLocks noGrp="1"/>
           </p:cNvSpPr>
@@ -2117,13 +1863,7 @@
       </p:sp>
       <p:sp>
         <p:nvSpPr>
-          <p:cNvPr id="4" name="Slide Number Placeholder 3">
-            <a:extLst>
-              <a:ext uri="{FF2B5EF4-FFF2-40B4-BE49-F238E27FC236}">
-                <a16:creationId xmlns:a16="http://schemas.microsoft.com/office/drawing/2014/main" id="{1ABDDFE3-51E3-4E86-B95F-E0C4A6B84135}"/>
-              </a:ext>
-            </a:extLst>
-          </p:cNvPr>
+          <p:cNvPr id="4" name="Slide Number Placeholder 3"/>
           <p:cNvSpPr>
             <a:spLocks noGrp="1"/>
           </p:cNvSpPr>
@@ -2147,7 +1887,7 @@
     </p:spTree>
     <p:extLst>
       <p:ext uri="{BB962C8B-B14F-4D97-AF65-F5344CB8AC3E}">
-        <p14:creationId xmlns:p14="http://schemas.microsoft.com/office/powerpoint/2010/main" val="1523168738"/>
+        <p14:creationId xmlns:p14="http://schemas.microsoft.com/office/powerpoint/2010/main" val="2408811504"/>
       </p:ext>
     </p:extLst>
   </p:cSld>
@@ -2176,13 +1916,7 @@
       </p:grpSpPr>
       <p:sp>
         <p:nvSpPr>
-          <p:cNvPr id="2" name="Title 1">
-            <a:extLst>
-              <a:ext uri="{FF2B5EF4-FFF2-40B4-BE49-F238E27FC236}">
-                <a16:creationId xmlns:a16="http://schemas.microsoft.com/office/drawing/2014/main" id="{46822E65-C50C-418E-A7DD-91F7D86A6E40}"/>
-              </a:ext>
-            </a:extLst>
-          </p:cNvPr>
+          <p:cNvPr id="2" name="Title 1"/>
           <p:cNvSpPr>
             <a:spLocks noGrp="1"/>
           </p:cNvSpPr>
@@ -2208,18 +1942,13 @@
               <a:rPr lang="en-US"/>
               <a:t>Click to edit Master title style</a:t>
             </a:r>
-          </a:p>
-        </p:txBody>
-      </p:sp>
-      <p:sp>
-        <p:nvSpPr>
-          <p:cNvPr id="3" name="Content Placeholder 2">
-            <a:extLst>
-              <a:ext uri="{FF2B5EF4-FFF2-40B4-BE49-F238E27FC236}">
-                <a16:creationId xmlns:a16="http://schemas.microsoft.com/office/drawing/2014/main" id="{55453A6E-4598-488A-9ACD-D21A1D104B79}"/>
-              </a:ext>
-            </a:extLst>
-          </p:cNvPr>
+            <a:endParaRPr lang="en-US" dirty="0"/>
+          </a:p>
+        </p:txBody>
+      </p:sp>
+      <p:sp>
+        <p:nvSpPr>
+          <p:cNvPr id="3" name="Content Placeholder 2"/>
           <p:cNvSpPr>
             <a:spLocks noGrp="1"/>
           </p:cNvSpPr>
@@ -2298,18 +2027,13 @@
               <a:rPr lang="en-US"/>
               <a:t>Fifth level</a:t>
             </a:r>
-          </a:p>
-        </p:txBody>
-      </p:sp>
-      <p:sp>
-        <p:nvSpPr>
-          <p:cNvPr id="4" name="Text Placeholder 3">
-            <a:extLst>
-              <a:ext uri="{FF2B5EF4-FFF2-40B4-BE49-F238E27FC236}">
-                <a16:creationId xmlns:a16="http://schemas.microsoft.com/office/drawing/2014/main" id="{9F42DD90-D906-4F47-BAA5-F9D3588BECCC}"/>
-              </a:ext>
-            </a:extLst>
-          </p:cNvPr>
+            <a:endParaRPr lang="en-US" dirty="0"/>
+          </a:p>
+        </p:txBody>
+      </p:sp>
+      <p:sp>
+        <p:nvSpPr>
+          <p:cNvPr id="4" name="Text Placeholder 3"/>
           <p:cNvSpPr>
             <a:spLocks noGrp="1"/>
           </p:cNvSpPr>
@@ -2374,13 +2098,7 @@
       </p:sp>
       <p:sp>
         <p:nvSpPr>
-          <p:cNvPr id="5" name="Date Placeholder 4">
-            <a:extLst>
-              <a:ext uri="{FF2B5EF4-FFF2-40B4-BE49-F238E27FC236}">
-                <a16:creationId xmlns:a16="http://schemas.microsoft.com/office/drawing/2014/main" id="{0937BA2A-3D15-4AC4-A08C-036873CE1382}"/>
-              </a:ext>
-            </a:extLst>
-          </p:cNvPr>
+          <p:cNvPr id="5" name="Date Placeholder 4"/>
           <p:cNvSpPr>
             <a:spLocks noGrp="1"/>
           </p:cNvSpPr>
@@ -2403,13 +2121,7 @@
       </p:sp>
       <p:sp>
         <p:nvSpPr>
-          <p:cNvPr id="6" name="Footer Placeholder 5">
-            <a:extLst>
-              <a:ext uri="{FF2B5EF4-FFF2-40B4-BE49-F238E27FC236}">
-                <a16:creationId xmlns:a16="http://schemas.microsoft.com/office/drawing/2014/main" id="{D5CA674C-A4C2-4D20-BB6F-AA2E8438B7E2}"/>
-              </a:ext>
-            </a:extLst>
-          </p:cNvPr>
+          <p:cNvPr id="6" name="Footer Placeholder 5"/>
           <p:cNvSpPr>
             <a:spLocks noGrp="1"/>
           </p:cNvSpPr>
@@ -2428,13 +2140,7 @@
       </p:sp>
       <p:sp>
         <p:nvSpPr>
-          <p:cNvPr id="7" name="Slide Number Placeholder 6">
-            <a:extLst>
-              <a:ext uri="{FF2B5EF4-FFF2-40B4-BE49-F238E27FC236}">
-                <a16:creationId xmlns:a16="http://schemas.microsoft.com/office/drawing/2014/main" id="{37E9E318-F9FB-4481-A1AE-9A8B25E4676E}"/>
-              </a:ext>
-            </a:extLst>
-          </p:cNvPr>
+          <p:cNvPr id="7" name="Slide Number Placeholder 6"/>
           <p:cNvSpPr>
             <a:spLocks noGrp="1"/>
           </p:cNvSpPr>
@@ -2458,7 +2164,7 @@
     </p:spTree>
     <p:extLst>
       <p:ext uri="{BB962C8B-B14F-4D97-AF65-F5344CB8AC3E}">
-        <p14:creationId xmlns:p14="http://schemas.microsoft.com/office/powerpoint/2010/main" val="3903231577"/>
+        <p14:creationId xmlns:p14="http://schemas.microsoft.com/office/powerpoint/2010/main" val="2221939887"/>
       </p:ext>
     </p:extLst>
   </p:cSld>
@@ -2487,13 +2193,7 @@
       </p:grpSpPr>
       <p:sp>
         <p:nvSpPr>
-          <p:cNvPr id="2" name="Title 1">
-            <a:extLst>
-              <a:ext uri="{FF2B5EF4-FFF2-40B4-BE49-F238E27FC236}">
-                <a16:creationId xmlns:a16="http://schemas.microsoft.com/office/drawing/2014/main" id="{86746549-0C9A-4E9E-A9D3-BA63AD7EBF59}"/>
-              </a:ext>
-            </a:extLst>
-          </p:cNvPr>
+          <p:cNvPr id="2" name="Title 1"/>
           <p:cNvSpPr>
             <a:spLocks noGrp="1"/>
           </p:cNvSpPr>
@@ -2519,20 +2219,15 @@
               <a:rPr lang="en-US"/>
               <a:t>Click to edit Master title style</a:t>
             </a:r>
-          </a:p>
-        </p:txBody>
-      </p:sp>
-      <p:sp>
-        <p:nvSpPr>
-          <p:cNvPr id="3" name="Picture Placeholder 2">
-            <a:extLst>
-              <a:ext uri="{FF2B5EF4-FFF2-40B4-BE49-F238E27FC236}">
-                <a16:creationId xmlns:a16="http://schemas.microsoft.com/office/drawing/2014/main" id="{1B743C3E-A7BB-451C-9508-B0A2279F684E}"/>
-              </a:ext>
-            </a:extLst>
-          </p:cNvPr>
-          <p:cNvSpPr>
-            <a:spLocks noGrp="1"/>
+            <a:endParaRPr lang="en-US" dirty="0"/>
+          </a:p>
+        </p:txBody>
+      </p:sp>
+      <p:sp>
+        <p:nvSpPr>
+          <p:cNvPr id="3" name="Picture Placeholder 2"/>
+          <p:cNvSpPr>
+            <a:spLocks noGrp="1" noChangeAspect="1"/>
           </p:cNvSpPr>
           <p:nvPr>
             <p:ph type="pic" idx="1"/>
@@ -2542,6 +2237,71 @@
           <a:xfrm>
             <a:off x="5183188" y="987425"/>
             <a:ext cx="6172200" cy="4873625"/>
+          </a:xfrm>
+        </p:spPr>
+        <p:txBody>
+          <a:bodyPr anchor="t"/>
+          <a:lstStyle>
+            <a:lvl1pPr marL="0" indent="0">
+              <a:buNone/>
+              <a:defRPr sz="3200"/>
+            </a:lvl1pPr>
+            <a:lvl2pPr marL="457200" indent="0">
+              <a:buNone/>
+              <a:defRPr sz="2800"/>
+            </a:lvl2pPr>
+            <a:lvl3pPr marL="914400" indent="0">
+              <a:buNone/>
+              <a:defRPr sz="2400"/>
+            </a:lvl3pPr>
+            <a:lvl4pPr marL="1371600" indent="0">
+              <a:buNone/>
+              <a:defRPr sz="2000"/>
+            </a:lvl4pPr>
+            <a:lvl5pPr marL="1828800" indent="0">
+              <a:buNone/>
+              <a:defRPr sz="2000"/>
+            </a:lvl5pPr>
+            <a:lvl6pPr marL="2286000" indent="0">
+              <a:buNone/>
+              <a:defRPr sz="2000"/>
+            </a:lvl6pPr>
+            <a:lvl7pPr marL="2743200" indent="0">
+              <a:buNone/>
+              <a:defRPr sz="2000"/>
+            </a:lvl7pPr>
+            <a:lvl8pPr marL="3200400" indent="0">
+              <a:buNone/>
+              <a:defRPr sz="2000"/>
+            </a:lvl8pPr>
+            <a:lvl9pPr marL="3657600" indent="0">
+              <a:buNone/>
+              <a:defRPr sz="2000"/>
+            </a:lvl9pPr>
+          </a:lstStyle>
+          <a:p>
+            <a:r>
+              <a:rPr lang="en-US"/>
+              <a:t>Click icon to add picture</a:t>
+            </a:r>
+            <a:endParaRPr lang="en-US" dirty="0"/>
+          </a:p>
+        </p:txBody>
+      </p:sp>
+      <p:sp>
+        <p:nvSpPr>
+          <p:cNvPr id="4" name="Text Placeholder 3"/>
+          <p:cNvSpPr>
+            <a:spLocks noGrp="1"/>
+          </p:cNvSpPr>
+          <p:nvPr>
+            <p:ph type="body" sz="half" idx="2"/>
+          </p:nvPr>
+        </p:nvSpPr>
+        <p:spPr>
+          <a:xfrm>
+            <a:off x="839788" y="2057400"/>
+            <a:ext cx="3932237" cy="3811588"/>
           </a:xfrm>
         </p:spPr>
         <p:txBody>
@@ -2549,73 +2309,6 @@
           <a:lstStyle>
             <a:lvl1pPr marL="0" indent="0">
               <a:buNone/>
-              <a:defRPr sz="3200"/>
-            </a:lvl1pPr>
-            <a:lvl2pPr marL="457200" indent="0">
-              <a:buNone/>
-              <a:defRPr sz="2800"/>
-            </a:lvl2pPr>
-            <a:lvl3pPr marL="914400" indent="0">
-              <a:buNone/>
-              <a:defRPr sz="2400"/>
-            </a:lvl3pPr>
-            <a:lvl4pPr marL="1371600" indent="0">
-              <a:buNone/>
-              <a:defRPr sz="2000"/>
-            </a:lvl4pPr>
-            <a:lvl5pPr marL="1828800" indent="0">
-              <a:buNone/>
-              <a:defRPr sz="2000"/>
-            </a:lvl5pPr>
-            <a:lvl6pPr marL="2286000" indent="0">
-              <a:buNone/>
-              <a:defRPr sz="2000"/>
-            </a:lvl6pPr>
-            <a:lvl7pPr marL="2743200" indent="0">
-              <a:buNone/>
-              <a:defRPr sz="2000"/>
-            </a:lvl7pPr>
-            <a:lvl8pPr marL="3200400" indent="0">
-              <a:buNone/>
-              <a:defRPr sz="2000"/>
-            </a:lvl8pPr>
-            <a:lvl9pPr marL="3657600" indent="0">
-              <a:buNone/>
-              <a:defRPr sz="2000"/>
-            </a:lvl9pPr>
-          </a:lstStyle>
-          <a:p>
-            <a:endParaRPr lang="en-US"/>
-          </a:p>
-        </p:txBody>
-      </p:sp>
-      <p:sp>
-        <p:nvSpPr>
-          <p:cNvPr id="4" name="Text Placeholder 3">
-            <a:extLst>
-              <a:ext uri="{FF2B5EF4-FFF2-40B4-BE49-F238E27FC236}">
-                <a16:creationId xmlns:a16="http://schemas.microsoft.com/office/drawing/2014/main" id="{8FEE5B26-DEE2-4B2F-817E-4502FF3215FB}"/>
-              </a:ext>
-            </a:extLst>
-          </p:cNvPr>
-          <p:cNvSpPr>
-            <a:spLocks noGrp="1"/>
-          </p:cNvSpPr>
-          <p:nvPr>
-            <p:ph type="body" sz="half" idx="2"/>
-          </p:nvPr>
-        </p:nvSpPr>
-        <p:spPr>
-          <a:xfrm>
-            <a:off x="839788" y="2057400"/>
-            <a:ext cx="3932237" cy="3811588"/>
-          </a:xfrm>
-        </p:spPr>
-        <p:txBody>
-          <a:bodyPr/>
-          <a:lstStyle>
-            <a:lvl1pPr marL="0" indent="0">
-              <a:buNone/>
               <a:defRPr sz="1600"/>
             </a:lvl1pPr>
             <a:lvl2pPr marL="457200" indent="0">
@@ -2662,13 +2355,7 @@
       </p:sp>
       <p:sp>
         <p:nvSpPr>
-          <p:cNvPr id="5" name="Date Placeholder 4">
-            <a:extLst>
-              <a:ext uri="{FF2B5EF4-FFF2-40B4-BE49-F238E27FC236}">
-                <a16:creationId xmlns:a16="http://schemas.microsoft.com/office/drawing/2014/main" id="{A3CA6975-3A60-4442-9B18-6DCE71890141}"/>
-              </a:ext>
-            </a:extLst>
-          </p:cNvPr>
+          <p:cNvPr id="5" name="Date Placeholder 4"/>
           <p:cNvSpPr>
             <a:spLocks noGrp="1"/>
           </p:cNvSpPr>
@@ -2691,13 +2378,7 @@
       </p:sp>
       <p:sp>
         <p:nvSpPr>
-          <p:cNvPr id="6" name="Footer Placeholder 5">
-            <a:extLst>
-              <a:ext uri="{FF2B5EF4-FFF2-40B4-BE49-F238E27FC236}">
-                <a16:creationId xmlns:a16="http://schemas.microsoft.com/office/drawing/2014/main" id="{8315FAC5-EA3F-4936-84A1-D45E46011525}"/>
-              </a:ext>
-            </a:extLst>
-          </p:cNvPr>
+          <p:cNvPr id="6" name="Footer Placeholder 5"/>
           <p:cNvSpPr>
             <a:spLocks noGrp="1"/>
           </p:cNvSpPr>
@@ -2716,13 +2397,7 @@
       </p:sp>
       <p:sp>
         <p:nvSpPr>
-          <p:cNvPr id="7" name="Slide Number Placeholder 6">
-            <a:extLst>
-              <a:ext uri="{FF2B5EF4-FFF2-40B4-BE49-F238E27FC236}">
-                <a16:creationId xmlns:a16="http://schemas.microsoft.com/office/drawing/2014/main" id="{9678F5A8-E83C-4B76-9FE7-3073C4A25E43}"/>
-              </a:ext>
-            </a:extLst>
-          </p:cNvPr>
+          <p:cNvPr id="7" name="Slide Number Placeholder 6"/>
           <p:cNvSpPr>
             <a:spLocks noGrp="1"/>
           </p:cNvSpPr>
@@ -2746,7 +2421,7 @@
     </p:spTree>
     <p:extLst>
       <p:ext uri="{BB962C8B-B14F-4D97-AF65-F5344CB8AC3E}">
-        <p14:creationId xmlns:p14="http://schemas.microsoft.com/office/powerpoint/2010/main" val="2892492359"/>
+        <p14:creationId xmlns:p14="http://schemas.microsoft.com/office/powerpoint/2010/main" val="126346162"/>
       </p:ext>
     </p:extLst>
   </p:cSld>
@@ -2760,8 +2435,8 @@
 <p:sldMaster xmlns:a="http://schemas.openxmlformats.org/drawingml/2006/main" xmlns:r="http://schemas.openxmlformats.org/officeDocument/2006/relationships" xmlns:p="http://schemas.openxmlformats.org/presentationml/2006/main">
   <p:cSld>
     <p:bg>
-      <p:bgRef idx="1001">
-        <a:schemeClr val="bg1"/>
+      <p:bgRef idx="1003">
+        <a:schemeClr val="bg2"/>
       </p:bgRef>
     </p:bg>
     <p:spTree>
@@ -2780,13 +2455,7 @@
       </p:grpSpPr>
       <p:sp>
         <p:nvSpPr>
-          <p:cNvPr id="2" name="Title Placeholder 1">
-            <a:extLst>
-              <a:ext uri="{FF2B5EF4-FFF2-40B4-BE49-F238E27FC236}">
-                <a16:creationId xmlns:a16="http://schemas.microsoft.com/office/drawing/2014/main" id="{5A1506FD-CD81-440D-B022-29C870C89438}"/>
-              </a:ext>
-            </a:extLst>
-          </p:cNvPr>
+          <p:cNvPr id="2" name="Title Placeholder 1"/>
           <p:cNvSpPr>
             <a:spLocks noGrp="1"/>
           </p:cNvSpPr>
@@ -2813,18 +2482,13 @@
               <a:rPr lang="en-US"/>
               <a:t>Click to edit Master title style</a:t>
             </a:r>
-          </a:p>
-        </p:txBody>
-      </p:sp>
-      <p:sp>
-        <p:nvSpPr>
-          <p:cNvPr id="3" name="Text Placeholder 2">
-            <a:extLst>
-              <a:ext uri="{FF2B5EF4-FFF2-40B4-BE49-F238E27FC236}">
-                <a16:creationId xmlns:a16="http://schemas.microsoft.com/office/drawing/2014/main" id="{80F87452-76E2-4474-A10F-6595420FC116}"/>
-              </a:ext>
-            </a:extLst>
-          </p:cNvPr>
+            <a:endParaRPr lang="en-US" dirty="0"/>
+          </a:p>
+        </p:txBody>
+      </p:sp>
+      <p:sp>
+        <p:nvSpPr>
+          <p:cNvPr id="3" name="Text Placeholder 2"/>
           <p:cNvSpPr>
             <a:spLocks noGrp="1"/>
           </p:cNvSpPr>
@@ -2880,18 +2544,13 @@
               <a:rPr lang="en-US"/>
               <a:t>Fifth level</a:t>
             </a:r>
-          </a:p>
-        </p:txBody>
-      </p:sp>
-      <p:sp>
-        <p:nvSpPr>
-          <p:cNvPr id="4" name="Date Placeholder 3">
-            <a:extLst>
-              <a:ext uri="{FF2B5EF4-FFF2-40B4-BE49-F238E27FC236}">
-                <a16:creationId xmlns:a16="http://schemas.microsoft.com/office/drawing/2014/main" id="{C6E9FD8E-63F3-4735-8F79-A4E5BE0D4252}"/>
-              </a:ext>
-            </a:extLst>
-          </p:cNvPr>
+            <a:endParaRPr lang="en-US" dirty="0"/>
+          </a:p>
+        </p:txBody>
+      </p:sp>
+      <p:sp>
+        <p:nvSpPr>
+          <p:cNvPr id="4" name="Date Placeholder 3"/>
           <p:cNvSpPr>
             <a:spLocks noGrp="1"/>
           </p:cNvSpPr>
@@ -2932,13 +2591,7 @@
       </p:sp>
       <p:sp>
         <p:nvSpPr>
-          <p:cNvPr id="5" name="Footer Placeholder 4">
-            <a:extLst>
-              <a:ext uri="{FF2B5EF4-FFF2-40B4-BE49-F238E27FC236}">
-                <a16:creationId xmlns:a16="http://schemas.microsoft.com/office/drawing/2014/main" id="{EB7C9DE7-E0E7-4EA6-999B-D7EDC6C4596E}"/>
-              </a:ext>
-            </a:extLst>
-          </p:cNvPr>
+          <p:cNvPr id="5" name="Footer Placeholder 4"/>
           <p:cNvSpPr>
             <a:spLocks noGrp="1"/>
           </p:cNvSpPr>
@@ -2975,13 +2628,7 @@
       </p:sp>
       <p:sp>
         <p:nvSpPr>
-          <p:cNvPr id="6" name="Slide Number Placeholder 5">
-            <a:extLst>
-              <a:ext uri="{FF2B5EF4-FFF2-40B4-BE49-F238E27FC236}">
-                <a16:creationId xmlns:a16="http://schemas.microsoft.com/office/drawing/2014/main" id="{DEF47F00-8922-4F28-9F78-9752B6840EE9}"/>
-              </a:ext>
-            </a:extLst>
-          </p:cNvPr>
+          <p:cNvPr id="6" name="Slide Number Placeholder 5"/>
           <p:cNvSpPr>
             <a:spLocks noGrp="1"/>
           </p:cNvSpPr>
@@ -3023,23 +2670,23 @@
     </p:spTree>
     <p:extLst>
       <p:ext uri="{BB962C8B-B14F-4D97-AF65-F5344CB8AC3E}">
-        <p14:creationId xmlns:p14="http://schemas.microsoft.com/office/powerpoint/2010/main" val="3312257539"/>
+        <p14:creationId xmlns:p14="http://schemas.microsoft.com/office/powerpoint/2010/main" val="4046125615"/>
       </p:ext>
     </p:extLst>
   </p:cSld>
-  <p:clrMap bg1="lt1" tx1="dk1" bg2="lt2" tx2="dk2" accent1="accent1" accent2="accent2" accent3="accent3" accent4="accent4" accent5="accent5" accent6="accent6" hlink="hlink" folHlink="folHlink"/>
+  <p:clrMap bg1="dk1" tx1="lt1" bg2="dk2" tx2="lt2" accent1="accent1" accent2="accent2" accent3="accent3" accent4="accent4" accent5="accent5" accent6="accent6" hlink="hlink" folHlink="folHlink"/>
   <p:sldLayoutIdLst>
-    <p:sldLayoutId id="2147483673" r:id="rId1"/>
-    <p:sldLayoutId id="2147483674" r:id="rId2"/>
-    <p:sldLayoutId id="2147483675" r:id="rId3"/>
-    <p:sldLayoutId id="2147483676" r:id="rId4"/>
-    <p:sldLayoutId id="2147483677" r:id="rId5"/>
-    <p:sldLayoutId id="2147483678" r:id="rId6"/>
-    <p:sldLayoutId id="2147483679" r:id="rId7"/>
-    <p:sldLayoutId id="2147483680" r:id="rId8"/>
-    <p:sldLayoutId id="2147483681" r:id="rId9"/>
-    <p:sldLayoutId id="2147483682" r:id="rId10"/>
-    <p:sldLayoutId id="2147483683" r:id="rId11"/>
+    <p:sldLayoutId id="2147483685" r:id="rId1"/>
+    <p:sldLayoutId id="2147483686" r:id="rId2"/>
+    <p:sldLayoutId id="2147483687" r:id="rId3"/>
+    <p:sldLayoutId id="2147483688" r:id="rId4"/>
+    <p:sldLayoutId id="2147483689" r:id="rId5"/>
+    <p:sldLayoutId id="2147483690" r:id="rId6"/>
+    <p:sldLayoutId id="2147483691" r:id="rId7"/>
+    <p:sldLayoutId id="2147483692" r:id="rId8"/>
+    <p:sldLayoutId id="2147483693" r:id="rId9"/>
+    <p:sldLayoutId id="2147483694" r:id="rId10"/>
+    <p:sldLayoutId id="2147483695" r:id="rId11"/>
   </p:sldLayoutIdLst>
   <p:txStyles>
     <p:titleStyle>
@@ -3357,7 +3004,7 @@
         </p:nvSpPr>
         <p:spPr>
           <a:xfrm>
-            <a:off x="758380" y="365760"/>
+            <a:off x="758380" y="250257"/>
             <a:ext cx="9823895" cy="4041648"/>
           </a:xfrm>
           <a:prstGeom prst="rect">
@@ -3388,11 +3035,15 @@
             </a:lvl1pPr>
           </a:lstStyle>
           <a:p>
-            <a:pPr algn="ctr"/>
-            <a:r>
-              <a:rPr lang="en-US" sz="6600" dirty="0">
-                <a:solidFill>
-                  <a:srgbClr val="002060"/>
+            <a:pPr algn="ctr">
+              <a:lnSpc>
+                <a:spcPct val="100000"/>
+              </a:lnSpc>
+            </a:pPr>
+            <a:r>
+              <a:rPr lang="en-US" sz="6000" dirty="0">
+                <a:solidFill>
+                  <a:srgbClr val="FFC000"/>
                 </a:solidFill>
                 <a:latin typeface="Century Schoolbook" panose="02040604050505020304" pitchFamily="18" charset="0"/>
               </a:rPr>
@@ -3400,11 +3051,15 @@
             </a:r>
           </a:p>
           <a:p>
-            <a:pPr algn="ctr"/>
-            <a:r>
-              <a:rPr lang="en-US" sz="6600" dirty="0">
-                <a:solidFill>
-                  <a:srgbClr val="002060"/>
+            <a:pPr algn="ctr">
+              <a:lnSpc>
+                <a:spcPct val="100000"/>
+              </a:lnSpc>
+            </a:pPr>
+            <a:r>
+              <a:rPr lang="en-US" sz="6000" dirty="0">
+                <a:solidFill>
+                  <a:srgbClr val="FFC000"/>
                 </a:solidFill>
                 <a:latin typeface="Century Schoolbook" panose="02040604050505020304" pitchFamily="18" charset="0"/>
               </a:rPr>
@@ -3412,29 +3067,33 @@
             </a:r>
           </a:p>
           <a:p>
-            <a:pPr algn="ctr"/>
-            <a:r>
-              <a:rPr lang="en-US" sz="6600" dirty="0">
-                <a:solidFill>
-                  <a:srgbClr val="002060"/>
+            <a:pPr algn="ctr">
+              <a:lnSpc>
+                <a:spcPct val="100000"/>
+              </a:lnSpc>
+            </a:pPr>
+            <a:r>
+              <a:rPr lang="en-US" sz="6000" dirty="0">
+                <a:solidFill>
+                  <a:srgbClr val="FFC000"/>
                 </a:solidFill>
                 <a:latin typeface="Century Schoolbook" panose="02040604050505020304" pitchFamily="18" charset="0"/>
               </a:rPr>
               <a:t>of </a:t>
             </a:r>
             <a:r>
-              <a:rPr lang="en-US" sz="6600" dirty="0" err="1">
-                <a:solidFill>
-                  <a:srgbClr val="002060"/>
+              <a:rPr lang="en-US" sz="6000" dirty="0" err="1">
+                <a:solidFill>
+                  <a:srgbClr val="FFC000"/>
                 </a:solidFill>
                 <a:latin typeface="Century Schoolbook" panose="02040604050505020304" pitchFamily="18" charset="0"/>
               </a:rPr>
               <a:t>LendingClub</a:t>
             </a:r>
             <a:r>
-              <a:rPr lang="en-US" sz="6600" dirty="0">
-                <a:solidFill>
-                  <a:srgbClr val="002060"/>
+              <a:rPr lang="en-US" sz="6000" dirty="0">
+                <a:solidFill>
+                  <a:srgbClr val="FFC000"/>
                 </a:solidFill>
                 <a:latin typeface="Century Schoolbook" panose="02040604050505020304" pitchFamily="18" charset="0"/>
               </a:rPr>
@@ -3773,7 +3432,7 @@
         <p:spPr>
           <a:xfrm>
             <a:off x="957072" y="201772"/>
-            <a:ext cx="5777103" cy="1325562"/>
+            <a:ext cx="10419989" cy="1325562"/>
           </a:xfrm>
           <a:prstGeom prst="rect">
             <a:avLst/>
@@ -3805,9 +3464,9 @@
           <a:p>
             <a:pPr algn="ctr"/>
             <a:r>
-              <a:rPr lang="en-US" dirty="0">
-                <a:solidFill>
-                  <a:srgbClr val="002060"/>
+              <a:rPr lang="en-US" sz="5400" dirty="0">
+                <a:solidFill>
+                  <a:srgbClr val="FFC000"/>
                 </a:solidFill>
                 <a:latin typeface="Century Schoolbook" panose="02040604050505020304" pitchFamily="18" charset="0"/>
               </a:rPr>
@@ -3835,15 +3494,20 @@
         <p:spPr>
           <a:xfrm>
             <a:off x="807398" y="1724025"/>
-            <a:ext cx="3645532" cy="4222904"/>
+            <a:ext cx="3645532" cy="4114800"/>
           </a:xfrm>
         </p:spPr>
         <p:txBody>
           <a:bodyPr>
-            <a:normAutofit lnSpcReduction="10000"/>
+            <a:normAutofit fontScale="92500" lnSpcReduction="20000"/>
           </a:bodyPr>
           <a:lstStyle/>
           <a:p>
+            <a:pPr>
+              <a:lnSpc>
+                <a:spcPct val="110000"/>
+              </a:lnSpc>
+            </a:pPr>
             <a:r>
               <a:rPr lang="en-US" dirty="0">
                 <a:latin typeface="Century Schoolbook" panose="02040604050505020304" pitchFamily="18" charset="0"/>
@@ -3852,11 +3516,21 @@
             </a:r>
           </a:p>
           <a:p>
+            <a:pPr>
+              <a:lnSpc>
+                <a:spcPct val="110000"/>
+              </a:lnSpc>
+            </a:pPr>
             <a:endParaRPr lang="en-US" dirty="0">
               <a:latin typeface="Century Schoolbook" panose="02040604050505020304" pitchFamily="18" charset="0"/>
             </a:endParaRPr>
           </a:p>
           <a:p>
+            <a:pPr>
+              <a:lnSpc>
+                <a:spcPct val="110000"/>
+              </a:lnSpc>
+            </a:pPr>
             <a:r>
               <a:rPr lang="en-US" dirty="0">
                 <a:latin typeface="Century Schoolbook" panose="02040604050505020304" pitchFamily="18" charset="0"/>
@@ -3865,21 +3539,21 @@
             </a:r>
           </a:p>
           <a:p>
+            <a:pPr>
+              <a:lnSpc>
+                <a:spcPct val="110000"/>
+              </a:lnSpc>
+            </a:pPr>
             <a:endParaRPr lang="en-US" dirty="0">
               <a:latin typeface="Century Schoolbook" panose="02040604050505020304" pitchFamily="18" charset="0"/>
             </a:endParaRPr>
           </a:p>
           <a:p>
-            <a:endParaRPr lang="en-US" dirty="0">
-              <a:latin typeface="Century Schoolbook" panose="02040604050505020304" pitchFamily="18" charset="0"/>
-            </a:endParaRPr>
-          </a:p>
-          <a:p>
-            <a:endParaRPr lang="en-US" dirty="0">
-              <a:latin typeface="Century Schoolbook" panose="02040604050505020304" pitchFamily="18" charset="0"/>
-            </a:endParaRPr>
-          </a:p>
-          <a:p>
+            <a:pPr>
+              <a:lnSpc>
+                <a:spcPct val="110000"/>
+              </a:lnSpc>
+            </a:pPr>
             <a:endParaRPr lang="en-US" sz="2800" dirty="0">
               <a:latin typeface="Century Schoolbook" panose="02040604050505020304" pitchFamily="18" charset="0"/>
             </a:endParaRPr>
@@ -3915,7 +3589,7 @@
         </p:blipFill>
         <p:spPr bwMode="auto">
           <a:xfrm>
-            <a:off x="4738688" y="1527334"/>
+            <a:off x="4834941" y="1724025"/>
             <a:ext cx="7191375" cy="4114800"/>
           </a:xfrm>
           <a:prstGeom prst="rect">
@@ -3979,8 +3653,8 @@
         </p:nvSpPr>
         <p:spPr>
           <a:xfrm>
-            <a:off x="957072" y="201772"/>
-            <a:ext cx="5777103" cy="1325562"/>
+            <a:off x="471639" y="137320"/>
+            <a:ext cx="11431755" cy="1325562"/>
           </a:xfrm>
           <a:prstGeom prst="rect">
             <a:avLst/>
@@ -4012,9 +3686,9 @@
           <a:p>
             <a:pPr algn="ctr"/>
             <a:r>
-              <a:rPr lang="en-US" dirty="0">
-                <a:solidFill>
-                  <a:srgbClr val="002060"/>
+              <a:rPr lang="en-US" sz="5400" dirty="0">
+                <a:solidFill>
+                  <a:srgbClr val="FFC000"/>
                 </a:solidFill>
                 <a:latin typeface="Century Schoolbook" panose="02040604050505020304" pitchFamily="18" charset="0"/>
               </a:rPr>
@@ -4041,13 +3715,13 @@
         </p:nvSpPr>
         <p:spPr>
           <a:xfrm>
-            <a:off x="807398" y="1713052"/>
-            <a:ext cx="4202752" cy="4344847"/>
+            <a:off x="288607" y="1473661"/>
+            <a:ext cx="5063040" cy="5054175"/>
           </a:xfrm>
         </p:spPr>
         <p:txBody>
           <a:bodyPr>
-            <a:normAutofit fontScale="77500" lnSpcReduction="20000"/>
+            <a:normAutofit fontScale="92500" lnSpcReduction="10000"/>
           </a:bodyPr>
           <a:lstStyle/>
           <a:p>
@@ -4135,7 +3809,7 @@
         </p:blipFill>
         <p:spPr bwMode="auto">
           <a:xfrm>
-            <a:off x="5440602" y="1165650"/>
+            <a:off x="5623482" y="1473661"/>
             <a:ext cx="6279912" cy="5054175"/>
           </a:xfrm>
           <a:prstGeom prst="rect">
@@ -4232,9 +3906,9 @@
           <a:p>
             <a:pPr algn="ctr"/>
             <a:r>
-              <a:rPr lang="en-US" dirty="0">
-                <a:solidFill>
-                  <a:srgbClr val="002060"/>
+              <a:rPr lang="en-US" sz="5400" dirty="0">
+                <a:solidFill>
+                  <a:srgbClr val="FFC000"/>
                 </a:solidFill>
                 <a:latin typeface="Century Schoolbook" panose="02040604050505020304" pitchFamily="18" charset="0"/>
               </a:rPr>
@@ -4261,8 +3935,8 @@
         </p:nvSpPr>
         <p:spPr>
           <a:xfrm>
-            <a:off x="807397" y="2174366"/>
-            <a:ext cx="4812353" cy="3265735"/>
+            <a:off x="807397" y="1915427"/>
+            <a:ext cx="4812353" cy="3561347"/>
           </a:xfrm>
         </p:spPr>
         <p:txBody>
@@ -4271,6 +3945,11 @@
           </a:bodyPr>
           <a:lstStyle/>
           <a:p>
+            <a:pPr>
+              <a:lnSpc>
+                <a:spcPct val="100000"/>
+              </a:lnSpc>
+            </a:pPr>
             <a:r>
               <a:rPr lang="en-US" dirty="0">
                 <a:latin typeface="Century Schoolbook" panose="02040604050505020304" pitchFamily="18" charset="0"/>
@@ -4291,11 +3970,21 @@
             </a:r>
           </a:p>
           <a:p>
+            <a:pPr>
+              <a:lnSpc>
+                <a:spcPct val="100000"/>
+              </a:lnSpc>
+            </a:pPr>
             <a:endParaRPr lang="en-US" dirty="0">
               <a:latin typeface="Century Schoolbook" panose="02040604050505020304" pitchFamily="18" charset="0"/>
             </a:endParaRPr>
           </a:p>
           <a:p>
+            <a:pPr>
+              <a:lnSpc>
+                <a:spcPct val="100000"/>
+              </a:lnSpc>
+            </a:pPr>
             <a:r>
               <a:rPr lang="en-US" dirty="0">
                 <a:latin typeface="Century Schoolbook" panose="02040604050505020304" pitchFamily="18" charset="0"/>
@@ -4307,10 +3996,10 @@
       </p:sp>
       <p:pic>
         <p:nvPicPr>
-          <p:cNvPr id="4098" name="Picture 2">
+          <p:cNvPr id="1026" name="Picture 2">
             <a:extLst>
               <a:ext uri="{FF2B5EF4-FFF2-40B4-BE49-F238E27FC236}">
-                <a16:creationId xmlns:a16="http://schemas.microsoft.com/office/drawing/2014/main" id="{D4056F5D-1C23-42F5-B123-24F6D22BE123}"/>
+                <a16:creationId xmlns:a16="http://schemas.microsoft.com/office/drawing/2014/main" id="{20C37773-38B2-44D0-874C-63525408F4BA}"/>
               </a:ext>
             </a:extLst>
           </p:cNvPr>
@@ -4334,8 +4023,8 @@
         </p:blipFill>
         <p:spPr bwMode="auto">
           <a:xfrm>
-            <a:off x="6052649" y="1724025"/>
-            <a:ext cx="5748826" cy="3409950"/>
+            <a:off x="5523109" y="1915427"/>
+            <a:ext cx="6133883" cy="3638349"/>
           </a:xfrm>
           <a:prstGeom prst="rect">
             <a:avLst/>
@@ -4398,8 +4087,8 @@
         </p:nvSpPr>
         <p:spPr>
           <a:xfrm>
-            <a:off x="957072" y="201772"/>
-            <a:ext cx="9506442" cy="1325562"/>
+            <a:off x="654519" y="201772"/>
+            <a:ext cx="10876546" cy="1325562"/>
           </a:xfrm>
           <a:prstGeom prst="rect">
             <a:avLst/>
@@ -4431,9 +4120,9 @@
           <a:p>
             <a:pPr algn="ctr"/>
             <a:r>
-              <a:rPr lang="en-US" dirty="0">
-                <a:solidFill>
-                  <a:srgbClr val="002060"/>
+              <a:rPr lang="en-US" sz="5400" dirty="0">
+                <a:solidFill>
+                  <a:srgbClr val="FFC000"/>
                 </a:solidFill>
                 <a:latin typeface="Century Schoolbook" panose="02040604050505020304" pitchFamily="18" charset="0"/>
               </a:rPr>
@@ -4460,8 +4149,8 @@
         </p:nvSpPr>
         <p:spPr>
           <a:xfrm>
-            <a:off x="957071" y="2336411"/>
-            <a:ext cx="9939529" cy="3265735"/>
+            <a:off x="957070" y="2336411"/>
+            <a:ext cx="10699123" cy="3265735"/>
           </a:xfrm>
         </p:spPr>
         <p:txBody>
@@ -4471,32 +4160,24 @@
           <a:lstStyle/>
           <a:p>
             <a:r>
-              <a:rPr lang="en-US" dirty="0">
+              <a:rPr lang="en-US" sz="3600" dirty="0">
                 <a:latin typeface="Century Schoolbook" panose="02040604050505020304" pitchFamily="18" charset="0"/>
               </a:rPr>
               <a:t>I built up a statistical model using Gradient Boosting classifier for borrower’s classification. </a:t>
             </a:r>
           </a:p>
           <a:p>
-            <a:endParaRPr lang="en-US" dirty="0">
+            <a:endParaRPr lang="en-US" sz="3600" dirty="0">
               <a:latin typeface="Century Schoolbook" panose="02040604050505020304" pitchFamily="18" charset="0"/>
             </a:endParaRPr>
           </a:p>
           <a:p>
             <a:r>
-              <a:rPr lang="en-US" dirty="0">
+              <a:rPr lang="en-US" sz="3600" dirty="0">
                 <a:latin typeface="Century Schoolbook" panose="02040604050505020304" pitchFamily="18" charset="0"/>
               </a:rPr>
               <a:t>This model classifies the borrowers with 67% accuracy. </a:t>
             </a:r>
-          </a:p>
-          <a:p>
-            <a:pPr marL="0" indent="0">
-              <a:buNone/>
-            </a:pPr>
-            <a:endParaRPr lang="en-US" dirty="0">
-              <a:latin typeface="Century Schoolbook" panose="02040604050505020304" pitchFamily="18" charset="0"/>
-            </a:endParaRPr>
           </a:p>
         </p:txBody>
       </p:sp>
@@ -4579,9 +4260,9 @@
           <a:p>
             <a:pPr algn="ctr"/>
             <a:r>
-              <a:rPr lang="en-US" dirty="0">
-                <a:solidFill>
-                  <a:srgbClr val="002060"/>
+              <a:rPr lang="en-US" sz="5400" dirty="0">
+                <a:solidFill>
+                  <a:srgbClr val="FFC000"/>
                 </a:solidFill>
                 <a:latin typeface="Century Schoolbook" panose="02040604050505020304" pitchFamily="18" charset="0"/>
               </a:rPr>
@@ -4608,21 +4289,24 @@
         </p:nvSpPr>
         <p:spPr>
           <a:xfrm>
-            <a:off x="957071" y="2019301"/>
-            <a:ext cx="4760025" cy="4045834"/>
+            <a:off x="519765" y="1737359"/>
+            <a:ext cx="5197332" cy="4558664"/>
           </a:xfrm>
         </p:spPr>
         <p:txBody>
           <a:bodyPr>
-            <a:normAutofit fontScale="62500" lnSpcReduction="20000"/>
+            <a:normAutofit lnSpcReduction="10000"/>
           </a:bodyPr>
           <a:lstStyle/>
           <a:p>
             <a:pPr marL="0" indent="0">
+              <a:lnSpc>
+                <a:spcPct val="120000"/>
+              </a:lnSpc>
               <a:buNone/>
             </a:pPr>
             <a:r>
-              <a:rPr lang="en-US" dirty="0">
+              <a:rPr lang="en-US" sz="1600" dirty="0">
                 <a:latin typeface="Century Schoolbook" panose="02040604050505020304" pitchFamily="18" charset="0"/>
               </a:rPr>
               <a:t>Compared to initial risk estimation model, our model make a better distinction between ‘good’ and ‘bad’ borrowers. </a:t>
@@ -4630,18 +4314,24 @@
           </a:p>
           <a:p>
             <a:pPr marL="0" indent="0">
+              <a:lnSpc>
+                <a:spcPct val="120000"/>
+              </a:lnSpc>
               <a:buNone/>
             </a:pPr>
-            <a:endParaRPr lang="en-US" dirty="0">
+            <a:endParaRPr lang="en-US" sz="1600" dirty="0">
               <a:latin typeface="Century Schoolbook" panose="02040604050505020304" pitchFamily="18" charset="0"/>
             </a:endParaRPr>
           </a:p>
           <a:p>
             <a:pPr marL="0" indent="0">
+              <a:lnSpc>
+                <a:spcPct val="120000"/>
+              </a:lnSpc>
               <a:buNone/>
             </a:pPr>
             <a:r>
-              <a:rPr lang="en-US" dirty="0">
+              <a:rPr lang="en-US" sz="1600" dirty="0">
                 <a:latin typeface="Century Schoolbook" panose="02040604050505020304" pitchFamily="18" charset="0"/>
               </a:rPr>
               <a:t>Ideally, we want to separate these two distribution. This happens only when the model is 100% accurate. The fraction of histograms that does not overlap gives the quality of the model. </a:t>
@@ -4649,54 +4339,28 @@
           </a:p>
           <a:p>
             <a:pPr marL="0" indent="0">
+              <a:lnSpc>
+                <a:spcPct val="120000"/>
+              </a:lnSpc>
               <a:buNone/>
             </a:pPr>
-            <a:endParaRPr lang="en-US" dirty="0">
+            <a:endParaRPr lang="en-US" sz="1600" dirty="0">
               <a:latin typeface="Century Schoolbook" panose="02040604050505020304" pitchFamily="18" charset="0"/>
             </a:endParaRPr>
           </a:p>
           <a:p>
             <a:pPr marL="0" indent="0">
+              <a:lnSpc>
+                <a:spcPct val="120000"/>
+              </a:lnSpc>
               <a:buNone/>
             </a:pPr>
             <a:r>
-              <a:rPr lang="en-US" dirty="0">
+              <a:rPr lang="en-US" sz="1600" dirty="0">
                 <a:latin typeface="Century Schoolbook" panose="02040604050505020304" pitchFamily="18" charset="0"/>
               </a:rPr>
-              <a:t>Our model does much better (quality = 32.2%) compared to initial risk assessment tool (25.8%) the company was using. This improvement helps to correctly identifying the risk of  $19.5 millions of the company and investors amount in the next year. </a:t>
-            </a:r>
-          </a:p>
-          <a:p>
-            <a:pPr marL="0" indent="0">
-              <a:buNone/>
-            </a:pPr>
-            <a:endParaRPr lang="en-US" dirty="0">
-              <a:latin typeface="Century Schoolbook" panose="02040604050505020304" pitchFamily="18" charset="0"/>
-            </a:endParaRPr>
-          </a:p>
-          <a:p>
-            <a:pPr marL="0" indent="0">
-              <a:buNone/>
-            </a:pPr>
-            <a:endParaRPr lang="en-US" dirty="0">
-              <a:latin typeface="Century Schoolbook" panose="02040604050505020304" pitchFamily="18" charset="0"/>
-            </a:endParaRPr>
-          </a:p>
-          <a:p>
-            <a:pPr marL="0" indent="0">
-              <a:buNone/>
-            </a:pPr>
-            <a:endParaRPr lang="en-US" dirty="0">
-              <a:latin typeface="Century Schoolbook" panose="02040604050505020304" pitchFamily="18" charset="0"/>
-            </a:endParaRPr>
-          </a:p>
-          <a:p>
-            <a:pPr marL="0" indent="0">
-              <a:buNone/>
-            </a:pPr>
-            <a:endParaRPr lang="en-US" dirty="0">
-              <a:latin typeface="Century Schoolbook" panose="02040604050505020304" pitchFamily="18" charset="0"/>
-            </a:endParaRPr>
+              <a:t>Our model does much better (quality = 32.2%) compared to initial risk assessment tool (25.8%) the company was using. This improvement helps to correctly identifying the risk of  $19.5 millions of the company and investors amount in the next year.</a:t>
+            </a:r>
           </a:p>
         </p:txBody>
       </p:sp>
@@ -4785,8 +4449,8 @@
         </p:nvSpPr>
         <p:spPr>
           <a:xfrm>
-            <a:off x="957072" y="201772"/>
-            <a:ext cx="6450725" cy="1325562"/>
+            <a:off x="770021" y="201772"/>
+            <a:ext cx="10799545" cy="1325562"/>
           </a:xfrm>
           <a:prstGeom prst="rect">
             <a:avLst/>
@@ -4818,13 +4482,13 @@
           <a:p>
             <a:pPr algn="ctr"/>
             <a:r>
-              <a:rPr lang="en-US" dirty="0">
-                <a:solidFill>
-                  <a:srgbClr val="002060"/>
+              <a:rPr lang="en-US" sz="5400" dirty="0">
+                <a:solidFill>
+                  <a:srgbClr val="FFC000"/>
                 </a:solidFill>
                 <a:latin typeface="Century Schoolbook" panose="02040604050505020304" pitchFamily="18" charset="0"/>
               </a:rPr>
-              <a:t>Next Year’s business</a:t>
+              <a:t>Predicting Next Year</a:t>
             </a:r>
           </a:p>
         </p:txBody>
@@ -4847,85 +4511,71 @@
         </p:nvSpPr>
         <p:spPr>
           <a:xfrm>
-            <a:off x="623696" y="1870785"/>
-            <a:ext cx="4062603" cy="4110915"/>
+            <a:off x="433137" y="2188684"/>
+            <a:ext cx="4408369" cy="3264378"/>
           </a:xfrm>
         </p:spPr>
         <p:txBody>
           <a:bodyPr>
-            <a:normAutofit fontScale="85000" lnSpcReduction="20000"/>
+            <a:normAutofit fontScale="92500"/>
           </a:bodyPr>
           <a:lstStyle/>
           <a:p>
-            <a:r>
-              <a:rPr lang="en-US" dirty="0">
+            <a:pPr>
+              <a:lnSpc>
+                <a:spcPct val="120000"/>
+              </a:lnSpc>
+            </a:pPr>
+            <a:r>
+              <a:rPr lang="en-US" sz="2000" dirty="0">
                 <a:latin typeface="Century Schoolbook" panose="02040604050505020304" pitchFamily="18" charset="0"/>
               </a:rPr>
               <a:t>Company makes rapid growth until 2015. This can not be captured by a linear or polynomial function. </a:t>
             </a:r>
           </a:p>
           <a:p>
-            <a:pPr marL="0" indent="0">
-              <a:buNone/>
+            <a:pPr>
+              <a:lnSpc>
+                <a:spcPct val="120000"/>
+              </a:lnSpc>
             </a:pPr>
-            <a:endParaRPr lang="en-US" dirty="0">
-              <a:latin typeface="Century Schoolbook" panose="02040604050505020304" pitchFamily="18" charset="0"/>
-            </a:endParaRPr>
-          </a:p>
-          <a:p>
-            <a:r>
-              <a:rPr lang="en-US" dirty="0">
+            <a:r>
+              <a:rPr lang="en-US" sz="2000" dirty="0">
                 <a:latin typeface="Century Schoolbook" panose="02040604050505020304" pitchFamily="18" charset="0"/>
               </a:rPr>
               <a:t>We modelled investments in a order of </a:t>
             </a:r>
             <a:r>
-              <a:rPr lang="en-US" i="1" dirty="0">
+              <a:rPr lang="en-US" sz="2000" i="1" dirty="0">
                 <a:latin typeface="Century Schoolbook" panose="02040604050505020304" pitchFamily="18" charset="0"/>
               </a:rPr>
               <a:t>log(year)</a:t>
             </a:r>
             <a:r>
-              <a:rPr lang="en-US" i="1" baseline="30000" dirty="0">
+              <a:rPr lang="en-US" sz="2000" i="1" baseline="30000" dirty="0">
                 <a:latin typeface="Century Schoolbook" panose="02040604050505020304" pitchFamily="18" charset="0"/>
               </a:rPr>
               <a:t>3</a:t>
             </a:r>
             <a:r>
-              <a:rPr lang="en-US" dirty="0">
+              <a:rPr lang="en-US" sz="2000" dirty="0">
                 <a:latin typeface="Century Schoolbook" panose="02040604050505020304" pitchFamily="18" charset="0"/>
               </a:rPr>
               <a:t>. </a:t>
             </a:r>
           </a:p>
           <a:p>
-            <a:endParaRPr lang="en-US" dirty="0">
-              <a:latin typeface="Century Schoolbook" panose="02040604050505020304" pitchFamily="18" charset="0"/>
-            </a:endParaRPr>
-          </a:p>
-          <a:p>
-            <a:r>
-              <a:rPr lang="en-US" dirty="0">
+            <a:pPr>
+              <a:lnSpc>
+                <a:spcPct val="120000"/>
+              </a:lnSpc>
+            </a:pPr>
+            <a:r>
+              <a:rPr lang="en-US" sz="2000" dirty="0">
                 <a:latin typeface="Century Schoolbook" panose="02040604050505020304" pitchFamily="18" charset="0"/>
               </a:rPr>
               <a:t>This model predicts that company requires three hundred million investment next year. </a:t>
             </a:r>
-          </a:p>
-          <a:p>
-            <a:pPr marL="0" indent="0">
-              <a:buNone/>
-            </a:pPr>
-            <a:endParaRPr lang="en-US" dirty="0">
-              <a:latin typeface="Century Schoolbook" panose="02040604050505020304" pitchFamily="18" charset="0"/>
-            </a:endParaRPr>
-          </a:p>
-          <a:p>
-            <a:pPr marL="0" indent="0">
-              <a:buNone/>
-            </a:pPr>
-            <a:endParaRPr lang="en-US" dirty="0">
-              <a:latin typeface="Century Schoolbook" panose="02040604050505020304" pitchFamily="18" charset="0"/>
-            </a:endParaRPr>
           </a:p>
         </p:txBody>
       </p:sp>
@@ -5055,9 +4705,9 @@
           <a:p>
             <a:pPr algn="ctr"/>
             <a:r>
-              <a:rPr lang="en-US" dirty="0">
-                <a:solidFill>
-                  <a:srgbClr val="002060"/>
+              <a:rPr lang="en-US" sz="5400" dirty="0">
+                <a:solidFill>
+                  <a:srgbClr val="FFC000"/>
                 </a:solidFill>
                 <a:latin typeface="Century Schoolbook" panose="02040604050505020304" pitchFamily="18" charset="0"/>
               </a:rPr>
@@ -5084,8 +4734,8 @@
         </p:nvSpPr>
         <p:spPr>
           <a:xfrm>
-            <a:off x="1320141" y="2336411"/>
-            <a:ext cx="9992580" cy="3983707"/>
+            <a:off x="1185387" y="1999526"/>
+            <a:ext cx="9992580" cy="4305021"/>
           </a:xfrm>
         </p:spPr>
         <p:txBody>
@@ -5098,7 +4748,7 @@
               <a:rPr lang="en-US" dirty="0">
                 <a:latin typeface="Century Schoolbook" panose="02040604050505020304" pitchFamily="18" charset="0"/>
               </a:rPr>
-              <a:t>Our model provides a significantly better (25%) risk assessment of loans. Using this model will correctly identify the risk of $19.5 million investment next year. </a:t>
+              <a:t>Our model provides a significantly better (25%) risk assessment of loans. This could save up to $19.5 million investment next year. </a:t>
             </a:r>
           </a:p>
           <a:p>
@@ -5196,14 +4846,16 @@
         </p:nvSpPr>
         <p:spPr/>
         <p:txBody>
-          <a:bodyPr/>
+          <a:bodyPr>
+            <a:normAutofit/>
+          </a:bodyPr>
           <a:lstStyle/>
           <a:p>
             <a:pPr algn="ctr"/>
             <a:r>
-              <a:rPr lang="en-US" dirty="0">
-                <a:solidFill>
-                  <a:srgbClr val="002060"/>
+              <a:rPr lang="en-US" sz="6000" dirty="0">
+                <a:solidFill>
+                  <a:srgbClr val="FFC000"/>
                 </a:solidFill>
                 <a:latin typeface="Century Schoolbook" panose="02040604050505020304" pitchFamily="18" charset="0"/>
               </a:rPr>
@@ -5230,8 +4882,8 @@
         </p:nvSpPr>
         <p:spPr>
           <a:xfrm>
-            <a:off x="2614803" y="2855913"/>
-            <a:ext cx="6529578" cy="1819275"/>
+            <a:off x="972153" y="2569945"/>
+            <a:ext cx="10381647" cy="3388093"/>
           </a:xfrm>
         </p:spPr>
         <p:txBody>
@@ -5240,24 +4892,39 @@
           </a:bodyPr>
           <a:lstStyle/>
           <a:p>
-            <a:r>
-              <a:rPr lang="en-US" sz="2800" dirty="0">
+            <a:pPr>
+              <a:lnSpc>
+                <a:spcPct val="100000"/>
+              </a:lnSpc>
+            </a:pPr>
+            <a:r>
+              <a:rPr lang="en-US" sz="4400" dirty="0">
                 <a:latin typeface="Century Schoolbook" panose="02040604050505020304" pitchFamily="18" charset="0"/>
               </a:rPr>
               <a:t>Not a bank – but like a bank. </a:t>
             </a:r>
           </a:p>
           <a:p>
-            <a:r>
-              <a:rPr lang="en-US" sz="2800" dirty="0">
+            <a:pPr>
+              <a:lnSpc>
+                <a:spcPct val="100000"/>
+              </a:lnSpc>
+            </a:pPr>
+            <a:r>
+              <a:rPr lang="en-US" sz="4400" dirty="0">
                 <a:latin typeface="Century Schoolbook" panose="02040604050505020304" pitchFamily="18" charset="0"/>
               </a:rPr>
               <a:t>Gives personal loans to $40,000</a:t>
             </a:r>
           </a:p>
           <a:p>
-            <a:r>
-              <a:rPr lang="en-US" sz="2800" dirty="0">
+            <a:pPr>
+              <a:lnSpc>
+                <a:spcPct val="100000"/>
+              </a:lnSpc>
+            </a:pPr>
+            <a:r>
+              <a:rPr lang="en-US" sz="4400" dirty="0">
                 <a:latin typeface="Century Schoolbook" panose="02040604050505020304" pitchFamily="18" charset="0"/>
               </a:rPr>
               <a:t>Connects investors for good returns.</a:t>
@@ -5313,19 +4980,21 @@
         </p:nvSpPr>
         <p:spPr>
           <a:xfrm>
-            <a:off x="3890772" y="474663"/>
+            <a:off x="3390259" y="195237"/>
             <a:ext cx="5777103" cy="1325562"/>
           </a:xfrm>
         </p:spPr>
         <p:txBody>
-          <a:bodyPr/>
+          <a:bodyPr>
+            <a:normAutofit/>
+          </a:bodyPr>
           <a:lstStyle/>
           <a:p>
             <a:pPr algn="ctr"/>
             <a:r>
-              <a:rPr lang="en-US" dirty="0">
-                <a:solidFill>
-                  <a:srgbClr val="002060"/>
+              <a:rPr lang="en-US" sz="5400" dirty="0">
+                <a:solidFill>
+                  <a:srgbClr val="FFC000"/>
                 </a:solidFill>
                 <a:latin typeface="Century Schoolbook" panose="02040604050505020304" pitchFamily="18" charset="0"/>
               </a:rPr>
@@ -5352,8 +5021,8 @@
         </p:nvSpPr>
         <p:spPr>
           <a:xfrm>
-            <a:off x="303150" y="2189135"/>
-            <a:ext cx="3587622" cy="4014841"/>
+            <a:off x="309425" y="1977455"/>
+            <a:ext cx="3937455" cy="3357564"/>
           </a:xfrm>
         </p:spPr>
         <p:txBody>
@@ -5362,6 +5031,11 @@
           </a:bodyPr>
           <a:lstStyle/>
           <a:p>
+            <a:pPr>
+              <a:lnSpc>
+                <a:spcPct val="100000"/>
+              </a:lnSpc>
+            </a:pPr>
             <a:r>
               <a:rPr lang="en-US" sz="2800" dirty="0">
                 <a:latin typeface="Century Schoolbook" panose="02040604050505020304" pitchFamily="18" charset="0"/>
@@ -5370,6 +5044,11 @@
             </a:r>
           </a:p>
           <a:p>
+            <a:pPr>
+              <a:lnSpc>
+                <a:spcPct val="100000"/>
+              </a:lnSpc>
+            </a:pPr>
             <a:r>
               <a:rPr lang="en-US" sz="2800" dirty="0">
                 <a:latin typeface="Century Schoolbook" panose="02040604050505020304" pitchFamily="18" charset="0"/>
@@ -5378,6 +5057,11 @@
             </a:r>
           </a:p>
           <a:p>
+            <a:pPr>
+              <a:lnSpc>
+                <a:spcPct val="100000"/>
+              </a:lnSpc>
+            </a:pPr>
             <a:r>
               <a:rPr lang="en-US" sz="2800" dirty="0">
                 <a:latin typeface="Century Schoolbook" panose="02040604050505020304" pitchFamily="18" charset="0"/>
@@ -5408,8 +5092,8 @@
         </p:blipFill>
         <p:spPr>
           <a:xfrm>
-            <a:off x="4162425" y="1800225"/>
-            <a:ext cx="3867150" cy="4014841"/>
+            <a:off x="4480026" y="1979638"/>
+            <a:ext cx="3231948" cy="3355380"/>
           </a:xfrm>
           <a:prstGeom prst="rect">
             <a:avLst/>
@@ -5445,6 +5129,49 @@
           </a:prstGeom>
         </p:spPr>
       </p:pic>
+      <p:sp>
+        <p:nvSpPr>
+          <p:cNvPr id="3" name="Rectangle 2">
+            <a:extLst>
+              <a:ext uri="{FF2B5EF4-FFF2-40B4-BE49-F238E27FC236}">
+                <a16:creationId xmlns:a16="http://schemas.microsoft.com/office/drawing/2014/main" id="{A3A4B92F-7238-42F9-AD6F-EA7BD919498B}"/>
+              </a:ext>
+            </a:extLst>
+          </p:cNvPr>
+          <p:cNvSpPr/>
+          <p:nvPr/>
+        </p:nvSpPr>
+        <p:spPr>
+          <a:xfrm>
+            <a:off x="309425" y="5519990"/>
+            <a:ext cx="6096000" cy="1015663"/>
+          </a:xfrm>
+          <a:prstGeom prst="rect">
+            <a:avLst/>
+          </a:prstGeom>
+        </p:spPr>
+        <p:txBody>
+          <a:bodyPr>
+            <a:spAutoFit/>
+          </a:bodyPr>
+          <a:lstStyle/>
+          <a:p>
+            <a:pPr lvl="1"/>
+            <a:r>
+              <a:rPr lang="en-US" sz="2000" i="1" dirty="0">
+                <a:solidFill>
+                  <a:schemeClr val="accent2">
+                    <a:lumMod val="40000"/>
+                    <a:lumOff val="60000"/>
+                  </a:schemeClr>
+                </a:solidFill>
+                <a:latin typeface="Georgia Pro Black" panose="020B0604020202020204" pitchFamily="18" charset="0"/>
+              </a:rPr>
+              <a:t>The goal of this project is to decrease the Late/Charged-off payment in a significant amount.  </a:t>
+            </a:r>
+          </a:p>
+        </p:txBody>
+      </p:sp>
     </p:spTree>
     <p:extLst>
       <p:ext uri="{BB962C8B-B14F-4D97-AF65-F5344CB8AC3E}">
@@ -5498,14 +5225,16 @@
           </a:xfrm>
         </p:spPr>
         <p:txBody>
-          <a:bodyPr/>
+          <a:bodyPr>
+            <a:normAutofit/>
+          </a:bodyPr>
           <a:lstStyle/>
           <a:p>
             <a:pPr algn="ctr"/>
             <a:r>
-              <a:rPr lang="en-US" dirty="0">
-                <a:solidFill>
-                  <a:srgbClr val="002060"/>
+              <a:rPr lang="en-US" sz="5400" dirty="0">
+                <a:solidFill>
+                  <a:srgbClr val="FFC000"/>
                 </a:solidFill>
                 <a:latin typeface="Century Schoolbook" panose="02040604050505020304" pitchFamily="18" charset="0"/>
               </a:rPr>
@@ -5532,13 +5261,13 @@
         </p:nvSpPr>
         <p:spPr>
           <a:xfrm>
-            <a:off x="648930" y="1938443"/>
-            <a:ext cx="5090922" cy="3770300"/>
+            <a:off x="648929" y="1938443"/>
+            <a:ext cx="5848123" cy="3770300"/>
           </a:xfrm>
         </p:spPr>
         <p:txBody>
           <a:bodyPr>
-            <a:normAutofit fontScale="77500" lnSpcReduction="20000"/>
+            <a:noAutofit/>
           </a:bodyPr>
           <a:lstStyle/>
           <a:p>
@@ -5546,7 +5275,7 @@
               <a:buNone/>
             </a:pPr>
             <a:r>
-              <a:rPr lang="en-US" sz="3600" b="1" dirty="0">
+              <a:rPr lang="en-US" sz="2000" b="1" dirty="0">
                 <a:latin typeface="Century Schoolbook" panose="02040604050505020304" pitchFamily="18" charset="0"/>
               </a:rPr>
               <a:t>Who?</a:t>
@@ -5555,7 +5284,7 @@
           <a:p>
             <a:pPr lvl="1"/>
             <a:r>
-              <a:rPr lang="en-US" sz="2600" dirty="0">
+              <a:rPr lang="en-US" sz="2000" dirty="0">
                 <a:latin typeface="Century Schoolbook" panose="02040604050505020304" pitchFamily="18" charset="0"/>
               </a:rPr>
               <a:t>People having income below $1,00,000. </a:t>
@@ -5564,7 +5293,7 @@
           <a:p>
             <a:pPr lvl="1"/>
             <a:r>
-              <a:rPr lang="en-US" sz="2600" dirty="0">
+              <a:rPr lang="en-US" sz="2000" dirty="0">
                 <a:latin typeface="Century Schoolbook" panose="02040604050505020304" pitchFamily="18" charset="0"/>
               </a:rPr>
               <a:t>Current loans less than 5 times yearly income. </a:t>
@@ -5574,7 +5303,7 @@
             <a:pPr marL="274320" lvl="1" indent="0">
               <a:buNone/>
             </a:pPr>
-            <a:endParaRPr lang="en-US" sz="2600" dirty="0">
+            <a:endParaRPr lang="en-US" sz="2000" dirty="0">
               <a:latin typeface="Century Schoolbook" panose="02040604050505020304" pitchFamily="18" charset="0"/>
             </a:endParaRPr>
           </a:p>
@@ -5583,7 +5312,7 @@
               <a:buNone/>
             </a:pPr>
             <a:r>
-              <a:rPr lang="en-US" sz="2600" b="1" dirty="0">
+              <a:rPr lang="en-US" sz="2000" b="1" dirty="0">
                 <a:latin typeface="Century Schoolbook" panose="02040604050505020304" pitchFamily="18" charset="0"/>
               </a:rPr>
               <a:t>Why?</a:t>
@@ -5592,7 +5321,7 @@
           <a:p>
             <a:pPr lvl="1"/>
             <a:r>
-              <a:rPr lang="en-US" sz="2600" dirty="0">
+              <a:rPr lang="en-US" sz="2000" dirty="0">
                 <a:latin typeface="Century Schoolbook" panose="02040604050505020304" pitchFamily="18" charset="0"/>
               </a:rPr>
               <a:t>Debt consolidation</a:t>
@@ -5601,7 +5330,7 @@
           <a:p>
             <a:pPr lvl="1"/>
             <a:r>
-              <a:rPr lang="en-US" sz="2600" dirty="0">
+              <a:rPr lang="en-US" sz="2000" dirty="0">
                 <a:latin typeface="Century Schoolbook" panose="02040604050505020304" pitchFamily="18" charset="0"/>
               </a:rPr>
               <a:t>Credit card payment</a:t>
@@ -5611,7 +5340,7 @@
             <a:pPr marL="457200" lvl="1" indent="0">
               <a:buNone/>
             </a:pPr>
-            <a:endParaRPr lang="en-US" sz="2600" dirty="0">
+            <a:endParaRPr lang="en-US" sz="2000" dirty="0">
               <a:latin typeface="Century Schoolbook" panose="02040604050505020304" pitchFamily="18" charset="0"/>
             </a:endParaRPr>
           </a:p>
@@ -5619,7 +5348,7 @@
             <a:pPr marL="457200" lvl="1" indent="0">
               <a:buNone/>
             </a:pPr>
-            <a:endParaRPr lang="en-US" sz="2600" i="1" dirty="0">
+            <a:endParaRPr lang="en-US" sz="2000" i="1" dirty="0">
               <a:latin typeface="Georgia Pro Black" panose="020B0604020202020204" pitchFamily="18" charset="0"/>
             </a:endParaRPr>
           </a:p>
@@ -5628,65 +5357,25 @@
               <a:buNone/>
             </a:pPr>
             <a:r>
-              <a:rPr lang="en-US" sz="2600" i="1" dirty="0">
+              <a:rPr lang="en-US" sz="2000" i="1" dirty="0">
+                <a:solidFill>
+                  <a:schemeClr val="accent2">
+                    <a:lumMod val="40000"/>
+                    <a:lumOff val="60000"/>
+                  </a:schemeClr>
+                </a:solidFill>
                 <a:latin typeface="Georgia Pro Black" panose="020B0604020202020204" pitchFamily="18" charset="0"/>
               </a:rPr>
               <a:t>The major reason borrower come to the Lending club is to solve their financial problem. </a:t>
             </a:r>
-            <a:endParaRPr lang="en-US" sz="2800" i="1" dirty="0">
-              <a:latin typeface="Georgia Pro Black" panose="020B0604020202020204" pitchFamily="18" charset="0"/>
-            </a:endParaRPr>
-          </a:p>
-          <a:p>
-            <a:endParaRPr lang="en-US" sz="2800" dirty="0">
+          </a:p>
+          <a:p>
+            <a:endParaRPr lang="en-US" sz="2000" dirty="0">
               <a:latin typeface="Century Schoolbook" panose="02040604050505020304" pitchFamily="18" charset="0"/>
             </a:endParaRPr>
           </a:p>
         </p:txBody>
       </p:sp>
-      <p:cxnSp>
-        <p:nvCxnSpPr>
-          <p:cNvPr id="11" name="Straight Connector 10">
-            <a:extLst>
-              <a:ext uri="{FF2B5EF4-FFF2-40B4-BE49-F238E27FC236}">
-                <a16:creationId xmlns:a16="http://schemas.microsoft.com/office/drawing/2014/main" id="{4ED0C19B-6300-4D70-8190-1F23AEACB1C9}"/>
-              </a:ext>
-            </a:extLst>
-          </p:cNvPr>
-          <p:cNvCxnSpPr>
-            <a:cxnSpLocks/>
-          </p:cNvCxnSpPr>
-          <p:nvPr/>
-        </p:nvCxnSpPr>
-        <p:spPr>
-          <a:xfrm flipV="1">
-            <a:off x="3748512" y="2642925"/>
-            <a:ext cx="2367263" cy="1990847"/>
-          </a:xfrm>
-          <a:prstGeom prst="line">
-            <a:avLst/>
-          </a:prstGeom>
-          <a:ln w="25400">
-            <a:solidFill>
-              <a:schemeClr val="bg1"/>
-            </a:solidFill>
-          </a:ln>
-        </p:spPr>
-        <p:style>
-          <a:lnRef idx="1">
-            <a:schemeClr val="accent1"/>
-          </a:lnRef>
-          <a:fillRef idx="0">
-            <a:schemeClr val="accent1"/>
-          </a:fillRef>
-          <a:effectRef idx="0">
-            <a:schemeClr val="accent1"/>
-          </a:effectRef>
-          <a:fontRef idx="minor">
-            <a:schemeClr val="tx1"/>
-          </a:fontRef>
-        </p:style>
-      </p:cxnSp>
       <p:pic>
         <p:nvPicPr>
           <p:cNvPr id="2050" name="Picture 2">
@@ -5714,7 +5403,7 @@
         </p:blipFill>
         <p:spPr bwMode="auto">
           <a:xfrm>
-            <a:off x="6271649" y="48142"/>
+            <a:off x="6955044" y="233491"/>
             <a:ext cx="4688671" cy="3584951"/>
           </a:xfrm>
           <a:prstGeom prst="rect">
@@ -5759,8 +5448,8 @@
         </p:blipFill>
         <p:spPr bwMode="auto">
           <a:xfrm>
-            <a:off x="6475553" y="3903733"/>
-            <a:ext cx="5090922" cy="2906125"/>
+            <a:off x="6955044" y="4042901"/>
+            <a:ext cx="4688671" cy="2676502"/>
           </a:xfrm>
           <a:prstGeom prst="rect">
             <a:avLst/>
@@ -5799,7 +5488,7 @@
           </a:prstGeom>
           <a:ln w="25400">
             <a:solidFill>
-              <a:schemeClr val="bg1"/>
+              <a:schemeClr val="tx1"/>
             </a:solidFill>
           </a:ln>
         </p:spPr>
@@ -5866,8 +5555,8 @@
         </p:nvSpPr>
         <p:spPr>
           <a:xfrm>
-            <a:off x="65611" y="457950"/>
-            <a:ext cx="6530060" cy="959198"/>
+            <a:off x="140270" y="244368"/>
+            <a:ext cx="11911460" cy="959198"/>
           </a:xfrm>
         </p:spPr>
         <p:txBody>
@@ -5878,9 +5567,9 @@
           <a:p>
             <a:pPr algn="ctr"/>
             <a:r>
-              <a:rPr lang="en-US" dirty="0">
-                <a:solidFill>
-                  <a:srgbClr val="002060"/>
+              <a:rPr lang="en-US" sz="5400" dirty="0">
+                <a:solidFill>
+                  <a:srgbClr val="FFC000"/>
                 </a:solidFill>
                 <a:latin typeface="Century Schoolbook" panose="02040604050505020304" pitchFamily="18" charset="0"/>
               </a:rPr>
@@ -5907,16 +5596,21 @@
         </p:nvSpPr>
         <p:spPr>
           <a:xfrm>
-            <a:off x="590740" y="1857412"/>
-            <a:ext cx="5090922" cy="4467187"/>
+            <a:off x="590740" y="1989038"/>
+            <a:ext cx="5059289" cy="3949000"/>
           </a:xfrm>
         </p:spPr>
         <p:txBody>
           <a:bodyPr>
-            <a:normAutofit fontScale="85000" lnSpcReduction="20000"/>
+            <a:normAutofit fontScale="62500" lnSpcReduction="20000"/>
           </a:bodyPr>
           <a:lstStyle/>
           <a:p>
+            <a:pPr>
+              <a:lnSpc>
+                <a:spcPct val="120000"/>
+              </a:lnSpc>
+            </a:pPr>
             <a:r>
               <a:rPr lang="en-US" dirty="0">
                 <a:latin typeface="Century Schoolbook" panose="02040604050505020304" pitchFamily="18" charset="0"/>
@@ -5926,6 +5620,9 @@
           </a:p>
           <a:p>
             <a:pPr marL="0" indent="0">
+              <a:lnSpc>
+                <a:spcPct val="120000"/>
+              </a:lnSpc>
               <a:buNone/>
             </a:pPr>
             <a:endParaRPr lang="en-US" dirty="0">
@@ -5933,11 +5630,16 @@
             </a:endParaRPr>
           </a:p>
           <a:p>
+            <a:pPr>
+              <a:lnSpc>
+                <a:spcPct val="120000"/>
+              </a:lnSpc>
+            </a:pPr>
             <a:r>
               <a:rPr lang="en-US" dirty="0">
                 <a:latin typeface="Century Schoolbook" panose="02040604050505020304" pitchFamily="18" charset="0"/>
               </a:rPr>
-              <a:t>Distribution among good and bad borrowers is similar. This also mean that the average amount of loans borrowed by ‘bad’ customers is similar to that for the good customers. Ideally we want that ‘bad clients’ don’t get high amount of loans. The company expect the distribution of late/charged off customer to be centered at lower amount. </a:t>
+              <a:t>Distribution among good and bad borrowers is similar. This also means that the average amount of loans borrowed by ‘bad’ customers is similar to that for the good customers. Ideally we want that ‘bad clients’ don’t get high amount of loans. The company expect the distribution of late/charged off customer to be centered at lower amount. </a:t>
             </a:r>
             <a:endParaRPr lang="en-US" sz="2000" dirty="0">
               <a:latin typeface="Century Schoolbook" panose="02040604050505020304" pitchFamily="18" charset="0"/>
@@ -5945,49 +5647,6 @@
           </a:p>
         </p:txBody>
       </p:sp>
-      <p:cxnSp>
-        <p:nvCxnSpPr>
-          <p:cNvPr id="11" name="Straight Connector 10">
-            <a:extLst>
-              <a:ext uri="{FF2B5EF4-FFF2-40B4-BE49-F238E27FC236}">
-                <a16:creationId xmlns:a16="http://schemas.microsoft.com/office/drawing/2014/main" id="{4ED0C19B-6300-4D70-8190-1F23AEACB1C9}"/>
-              </a:ext>
-            </a:extLst>
-          </p:cNvPr>
-          <p:cNvCxnSpPr>
-            <a:cxnSpLocks/>
-          </p:cNvCxnSpPr>
-          <p:nvPr/>
-        </p:nvCxnSpPr>
-        <p:spPr>
-          <a:xfrm flipV="1">
-            <a:off x="7181851" y="937549"/>
-            <a:ext cx="2367263" cy="1990847"/>
-          </a:xfrm>
-          <a:prstGeom prst="line">
-            <a:avLst/>
-          </a:prstGeom>
-          <a:ln w="25400">
-            <a:solidFill>
-              <a:schemeClr val="bg1"/>
-            </a:solidFill>
-          </a:ln>
-        </p:spPr>
-        <p:style>
-          <a:lnRef idx="1">
-            <a:schemeClr val="accent1"/>
-          </a:lnRef>
-          <a:fillRef idx="0">
-            <a:schemeClr val="accent1"/>
-          </a:fillRef>
-          <a:effectRef idx="0">
-            <a:schemeClr val="accent1"/>
-          </a:effectRef>
-          <a:fontRef idx="minor">
-            <a:schemeClr val="tx1"/>
-          </a:fontRef>
-        </p:style>
-      </p:cxnSp>
       <p:grpSp>
         <p:nvGrpSpPr>
           <p:cNvPr id="3" name="Group 2">
@@ -6002,10 +5661,10 @@
         </p:nvGrpSpPr>
         <p:grpSpPr>
           <a:xfrm>
-            <a:off x="5995686" y="1122744"/>
-            <a:ext cx="5717894" cy="4479403"/>
-            <a:chOff x="5703305" y="1574157"/>
-            <a:chExt cx="4459268" cy="3316930"/>
+            <a:off x="6259177" y="1203566"/>
+            <a:ext cx="5717894" cy="4734471"/>
+            <a:chOff x="6146191" y="1513575"/>
+            <a:chExt cx="4459268" cy="3505804"/>
           </a:xfrm>
         </p:grpSpPr>
         <p:pic>
@@ -6035,7 +5694,7 @@
           </p:blipFill>
           <p:spPr bwMode="auto">
             <a:xfrm>
-              <a:off x="5703305" y="1966912"/>
+              <a:off x="6146191" y="2095204"/>
               <a:ext cx="4459268" cy="2924175"/>
             </a:xfrm>
             <a:prstGeom prst="rect">
@@ -6080,7 +5739,7 @@
           </p:blipFill>
           <p:spPr bwMode="auto">
             <a:xfrm>
-              <a:off x="7669193" y="1574157"/>
+              <a:off x="7425043" y="1513575"/>
               <a:ext cx="1901564" cy="544011"/>
             </a:xfrm>
             <a:prstGeom prst="rect">
@@ -6099,6 +5758,49 @@
           </p:spPr>
         </p:pic>
       </p:grpSp>
+      <p:sp>
+        <p:nvSpPr>
+          <p:cNvPr id="4" name="Rectangle 3">
+            <a:extLst>
+              <a:ext uri="{FF2B5EF4-FFF2-40B4-BE49-F238E27FC236}">
+                <a16:creationId xmlns:a16="http://schemas.microsoft.com/office/drawing/2014/main" id="{790850F9-46F8-4141-A9F4-E9547EF88528}"/>
+              </a:ext>
+            </a:extLst>
+          </p:cNvPr>
+          <p:cNvSpPr/>
+          <p:nvPr/>
+        </p:nvSpPr>
+        <p:spPr>
+          <a:xfrm>
+            <a:off x="140270" y="6015622"/>
+            <a:ext cx="9089456" cy="707886"/>
+          </a:xfrm>
+          <a:prstGeom prst="rect">
+            <a:avLst/>
+          </a:prstGeom>
+        </p:spPr>
+        <p:txBody>
+          <a:bodyPr wrap="square">
+            <a:spAutoFit/>
+          </a:bodyPr>
+          <a:lstStyle/>
+          <a:p>
+            <a:pPr lvl="1"/>
+            <a:r>
+              <a:rPr lang="en-US" sz="2000" i="1" dirty="0">
+                <a:solidFill>
+                  <a:schemeClr val="accent2">
+                    <a:lumMod val="40000"/>
+                    <a:lumOff val="60000"/>
+                  </a:schemeClr>
+                </a:solidFill>
+                <a:latin typeface="Georgia Pro Black" panose="020B0604020202020204" pitchFamily="18" charset="0"/>
+              </a:rPr>
+              <a:t>By correctly analyzing the risk, we can stop giving high loans to potentially ‘Late’ borrowers. </a:t>
+            </a:r>
+          </a:p>
+        </p:txBody>
+      </p:sp>
     </p:spTree>
     <p:extLst>
       <p:ext uri="{BB962C8B-B14F-4D97-AF65-F5344CB8AC3E}">
@@ -6148,7 +5850,7 @@
         <p:spPr>
           <a:xfrm>
             <a:off x="65611" y="457950"/>
-            <a:ext cx="6530060" cy="959198"/>
+            <a:ext cx="11965968" cy="959198"/>
           </a:xfrm>
         </p:spPr>
         <p:txBody>
@@ -6159,9 +5861,9 @@
           <a:p>
             <a:pPr algn="ctr"/>
             <a:r>
-              <a:rPr lang="en-US" dirty="0">
-                <a:solidFill>
-                  <a:srgbClr val="002060"/>
+              <a:rPr lang="en-US" sz="5400" dirty="0">
+                <a:solidFill>
+                  <a:srgbClr val="FFC000"/>
                 </a:solidFill>
                 <a:latin typeface="Century Schoolbook" panose="02040604050505020304" pitchFamily="18" charset="0"/>
               </a:rPr>
@@ -6188,8 +5890,8 @@
         </p:nvSpPr>
         <p:spPr>
           <a:xfrm>
-            <a:off x="581165" y="1710721"/>
-            <a:ext cx="5090922" cy="4689329"/>
+            <a:off x="468469" y="1528033"/>
+            <a:ext cx="5203618" cy="4766887"/>
           </a:xfrm>
         </p:spPr>
         <p:txBody>
@@ -6199,7 +5901,7 @@
           <a:lstStyle/>
           <a:p>
             <a:r>
-              <a:rPr lang="en-US" sz="2300" dirty="0">
+              <a:rPr lang="en-US" sz="2200" dirty="0">
                 <a:latin typeface="Century Schoolbook" panose="02040604050505020304" pitchFamily="18" charset="0"/>
               </a:rPr>
               <a:t>Interest of loan is proportional to the risk of borrower. Using this information, I estimated the initial risk calculated by Lending club. </a:t>
@@ -6207,65 +5909,45 @@
           </a:p>
           <a:p>
             <a:r>
-              <a:rPr lang="en-US" sz="2300" dirty="0">
+              <a:rPr lang="en-US" sz="2200" dirty="0">
                 <a:latin typeface="Century Schoolbook" panose="02040604050505020304" pitchFamily="18" charset="0"/>
               </a:rPr>
               <a:t>The distribution of ‘good’ and ‘bad’ borrowers falls on the similar range of the estimated risk. This shows that the initial risk analysis needs a lot of improvement. </a:t>
             </a:r>
           </a:p>
           <a:p>
-            <a:r>
-              <a:rPr lang="en-US" sz="2300" dirty="0">
-                <a:latin typeface="Century Schoolbook" panose="02040604050505020304" pitchFamily="18" charset="0"/>
+            <a:pPr marL="0" indent="0">
+              <a:buNone/>
+            </a:pPr>
+            <a:endParaRPr lang="en-US" sz="2200" dirty="0">
+              <a:solidFill>
+                <a:schemeClr val="accent2">
+                  <a:lumMod val="40000"/>
+                  <a:lumOff val="60000"/>
+                </a:schemeClr>
+              </a:solidFill>
+              <a:latin typeface="Georgia Pro Black" panose="02040A02050405090203" pitchFamily="18" charset="0"/>
+            </a:endParaRPr>
+          </a:p>
+          <a:p>
+            <a:pPr marL="0" indent="0">
+              <a:buNone/>
+            </a:pPr>
+            <a:r>
+              <a:rPr lang="en-US" sz="2200" dirty="0">
+                <a:solidFill>
+                  <a:schemeClr val="accent2">
+                    <a:lumMod val="40000"/>
+                    <a:lumOff val="60000"/>
+                  </a:schemeClr>
+                </a:solidFill>
+                <a:latin typeface="Georgia Pro Black" panose="02040A02050405090203" pitchFamily="18" charset="0"/>
               </a:rPr>
               <a:t>This project seeks to separate the two distribution by correcting the risk assessment methods. </a:t>
             </a:r>
           </a:p>
         </p:txBody>
       </p:sp>
-      <p:cxnSp>
-        <p:nvCxnSpPr>
-          <p:cNvPr id="11" name="Straight Connector 10">
-            <a:extLst>
-              <a:ext uri="{FF2B5EF4-FFF2-40B4-BE49-F238E27FC236}">
-                <a16:creationId xmlns:a16="http://schemas.microsoft.com/office/drawing/2014/main" id="{4ED0C19B-6300-4D70-8190-1F23AEACB1C9}"/>
-              </a:ext>
-            </a:extLst>
-          </p:cNvPr>
-          <p:cNvCxnSpPr>
-            <a:cxnSpLocks/>
-          </p:cNvCxnSpPr>
-          <p:nvPr/>
-        </p:nvCxnSpPr>
-        <p:spPr>
-          <a:xfrm flipV="1">
-            <a:off x="7181851" y="937549"/>
-            <a:ext cx="2367263" cy="1990847"/>
-          </a:xfrm>
-          <a:prstGeom prst="line">
-            <a:avLst/>
-          </a:prstGeom>
-          <a:ln w="25400">
-            <a:solidFill>
-              <a:schemeClr val="bg1"/>
-            </a:solidFill>
-          </a:ln>
-        </p:spPr>
-        <p:style>
-          <a:lnRef idx="1">
-            <a:schemeClr val="accent1"/>
-          </a:lnRef>
-          <a:fillRef idx="0">
-            <a:schemeClr val="accent1"/>
-          </a:fillRef>
-          <a:effectRef idx="0">
-            <a:schemeClr val="accent1"/>
-          </a:effectRef>
-          <a:fontRef idx="minor">
-            <a:schemeClr val="tx1"/>
-          </a:fontRef>
-        </p:style>
-      </p:cxnSp>
       <p:pic>
         <p:nvPicPr>
           <p:cNvPr id="8" name="Picture 7" descr="C:\Users\lekhn_000\AppData\Local\Microsoft\Windows\INetCache\Content.MSO\52DC91C.tmp">
@@ -6293,8 +5975,8 @@
         </p:blipFill>
         <p:spPr bwMode="auto">
           <a:xfrm>
-            <a:off x="5965177" y="1094899"/>
-            <a:ext cx="6161212" cy="4668202"/>
+            <a:off x="5672087" y="1528034"/>
+            <a:ext cx="6291459" cy="4766887"/>
           </a:xfrm>
           <a:prstGeom prst="rect">
             <a:avLst/>
@@ -6353,8 +6035,8 @@
         </p:nvSpPr>
         <p:spPr>
           <a:xfrm>
-            <a:off x="397419" y="649937"/>
-            <a:ext cx="5698581" cy="959198"/>
+            <a:off x="397420" y="649937"/>
+            <a:ext cx="4469856" cy="959198"/>
           </a:xfrm>
         </p:spPr>
         <p:txBody>
@@ -6365,9 +6047,9 @@
           <a:p>
             <a:pPr algn="ctr"/>
             <a:r>
-              <a:rPr lang="en-US" dirty="0">
-                <a:solidFill>
-                  <a:srgbClr val="002060"/>
+              <a:rPr lang="en-US" sz="5400" dirty="0">
+                <a:solidFill>
+                  <a:srgbClr val="FFC000"/>
                 </a:solidFill>
                 <a:latin typeface="Century Schoolbook" panose="02040604050505020304" pitchFamily="18" charset="0"/>
               </a:rPr>
@@ -6450,12 +6132,312 @@
           </a:p>
         </p:txBody>
       </p:sp>
+      <p:sp>
+        <p:nvSpPr>
+          <p:cNvPr id="15" name="Title 1">
+            <a:extLst>
+              <a:ext uri="{FF2B5EF4-FFF2-40B4-BE49-F238E27FC236}">
+                <a16:creationId xmlns:a16="http://schemas.microsoft.com/office/drawing/2014/main" id="{51EAA789-0B96-4B41-B196-56E392BF84AA}"/>
+              </a:ext>
+            </a:extLst>
+          </p:cNvPr>
+          <p:cNvSpPr txBox="1">
+            <a:spLocks/>
+          </p:cNvSpPr>
+          <p:nvPr/>
+        </p:nvSpPr>
+        <p:spPr>
+          <a:xfrm>
+            <a:off x="5114924" y="650859"/>
+            <a:ext cx="5707782" cy="959198"/>
+          </a:xfrm>
+          <a:prstGeom prst="rect">
+            <a:avLst/>
+          </a:prstGeom>
+        </p:spPr>
+        <p:txBody>
+          <a:bodyPr vert="horz" lIns="91440" tIns="45720" rIns="91440" bIns="45720" rtlCol="0" anchor="ctr">
+            <a:normAutofit/>
+          </a:bodyPr>
+          <a:lstStyle>
+            <a:lvl1pPr algn="l" defTabSz="914400" rtl="0" eaLnBrk="1" latinLnBrk="0" hangingPunct="1">
+              <a:lnSpc>
+                <a:spcPct val="90000"/>
+              </a:lnSpc>
+              <a:spcBef>
+                <a:spcPct val="0"/>
+              </a:spcBef>
+              <a:buNone/>
+              <a:defRPr sz="4400" kern="1200">
+                <a:solidFill>
+                  <a:schemeClr val="tx1"/>
+                </a:solidFill>
+                <a:latin typeface="+mj-lt"/>
+                <a:ea typeface="+mj-ea"/>
+                <a:cs typeface="+mj-cs"/>
+              </a:defRPr>
+            </a:lvl1pPr>
+          </a:lstStyle>
+          <a:p>
+            <a:pPr algn="ctr"/>
+            <a:r>
+              <a:rPr lang="en-US" sz="5400" dirty="0">
+                <a:solidFill>
+                  <a:srgbClr val="FFC000"/>
+                </a:solidFill>
+                <a:latin typeface="Century Schoolbook" panose="02040604050505020304" pitchFamily="18" charset="0"/>
+              </a:rPr>
+              <a:t>Approach</a:t>
+            </a:r>
+          </a:p>
+        </p:txBody>
+      </p:sp>
+      <p:sp>
+        <p:nvSpPr>
+          <p:cNvPr id="18" name="Content Placeholder 2">
+            <a:extLst>
+              <a:ext uri="{FF2B5EF4-FFF2-40B4-BE49-F238E27FC236}">
+                <a16:creationId xmlns:a16="http://schemas.microsoft.com/office/drawing/2014/main" id="{2D166478-CC70-40B3-A29A-C313439D0EE5}"/>
+              </a:ext>
+            </a:extLst>
+          </p:cNvPr>
+          <p:cNvSpPr txBox="1">
+            <a:spLocks/>
+          </p:cNvSpPr>
+          <p:nvPr/>
+        </p:nvSpPr>
+        <p:spPr>
+          <a:xfrm>
+            <a:off x="5848350" y="2025369"/>
+            <a:ext cx="5467350" cy="3821997"/>
+          </a:xfrm>
+          <a:prstGeom prst="rect">
+            <a:avLst/>
+          </a:prstGeom>
+        </p:spPr>
+        <p:txBody>
+          <a:bodyPr vert="horz" lIns="91440" tIns="45720" rIns="91440" bIns="45720" rtlCol="0">
+            <a:normAutofit/>
+          </a:bodyPr>
+          <a:lstStyle>
+            <a:lvl1pPr marL="228600" indent="-228600" algn="l" defTabSz="914400" rtl="0" eaLnBrk="1" latinLnBrk="0" hangingPunct="1">
+              <a:lnSpc>
+                <a:spcPct val="90000"/>
+              </a:lnSpc>
+              <a:spcBef>
+                <a:spcPts val="1000"/>
+              </a:spcBef>
+              <a:buFont typeface="Arial" panose="020B0604020202020204" pitchFamily="34" charset="0"/>
+              <a:buChar char="•"/>
+              <a:defRPr sz="2800" kern="1200">
+                <a:solidFill>
+                  <a:schemeClr val="tx1"/>
+                </a:solidFill>
+                <a:latin typeface="+mn-lt"/>
+                <a:ea typeface="+mn-ea"/>
+                <a:cs typeface="+mn-cs"/>
+              </a:defRPr>
+            </a:lvl1pPr>
+            <a:lvl2pPr marL="685800" indent="-228600" algn="l" defTabSz="914400" rtl="0" eaLnBrk="1" latinLnBrk="0" hangingPunct="1">
+              <a:lnSpc>
+                <a:spcPct val="90000"/>
+              </a:lnSpc>
+              <a:spcBef>
+                <a:spcPts val="500"/>
+              </a:spcBef>
+              <a:buFont typeface="Arial" panose="020B0604020202020204" pitchFamily="34" charset="0"/>
+              <a:buChar char="•"/>
+              <a:defRPr sz="2400" kern="1200">
+                <a:solidFill>
+                  <a:schemeClr val="tx1"/>
+                </a:solidFill>
+                <a:latin typeface="+mn-lt"/>
+                <a:ea typeface="+mn-ea"/>
+                <a:cs typeface="+mn-cs"/>
+              </a:defRPr>
+            </a:lvl2pPr>
+            <a:lvl3pPr marL="1143000" indent="-228600" algn="l" defTabSz="914400" rtl="0" eaLnBrk="1" latinLnBrk="0" hangingPunct="1">
+              <a:lnSpc>
+                <a:spcPct val="90000"/>
+              </a:lnSpc>
+              <a:spcBef>
+                <a:spcPts val="500"/>
+              </a:spcBef>
+              <a:buFont typeface="Arial" panose="020B0604020202020204" pitchFamily="34" charset="0"/>
+              <a:buChar char="•"/>
+              <a:defRPr sz="2000" kern="1200">
+                <a:solidFill>
+                  <a:schemeClr val="tx1"/>
+                </a:solidFill>
+                <a:latin typeface="+mn-lt"/>
+                <a:ea typeface="+mn-ea"/>
+                <a:cs typeface="+mn-cs"/>
+              </a:defRPr>
+            </a:lvl3pPr>
+            <a:lvl4pPr marL="1600200" indent="-228600" algn="l" defTabSz="914400" rtl="0" eaLnBrk="1" latinLnBrk="0" hangingPunct="1">
+              <a:lnSpc>
+                <a:spcPct val="90000"/>
+              </a:lnSpc>
+              <a:spcBef>
+                <a:spcPts val="500"/>
+              </a:spcBef>
+              <a:buFont typeface="Arial" panose="020B0604020202020204" pitchFamily="34" charset="0"/>
+              <a:buChar char="•"/>
+              <a:defRPr sz="1800" kern="1200">
+                <a:solidFill>
+                  <a:schemeClr val="tx1"/>
+                </a:solidFill>
+                <a:latin typeface="+mn-lt"/>
+                <a:ea typeface="+mn-ea"/>
+                <a:cs typeface="+mn-cs"/>
+              </a:defRPr>
+            </a:lvl4pPr>
+            <a:lvl5pPr marL="2057400" indent="-228600" algn="l" defTabSz="914400" rtl="0" eaLnBrk="1" latinLnBrk="0" hangingPunct="1">
+              <a:lnSpc>
+                <a:spcPct val="90000"/>
+              </a:lnSpc>
+              <a:spcBef>
+                <a:spcPts val="500"/>
+              </a:spcBef>
+              <a:buFont typeface="Arial" panose="020B0604020202020204" pitchFamily="34" charset="0"/>
+              <a:buChar char="•"/>
+              <a:defRPr sz="1800" kern="1200">
+                <a:solidFill>
+                  <a:schemeClr val="tx1"/>
+                </a:solidFill>
+                <a:latin typeface="+mn-lt"/>
+                <a:ea typeface="+mn-ea"/>
+                <a:cs typeface="+mn-cs"/>
+              </a:defRPr>
+            </a:lvl5pPr>
+            <a:lvl6pPr marL="2514600" indent="-228600" algn="l" defTabSz="914400" rtl="0" eaLnBrk="1" latinLnBrk="0" hangingPunct="1">
+              <a:lnSpc>
+                <a:spcPct val="90000"/>
+              </a:lnSpc>
+              <a:spcBef>
+                <a:spcPts val="500"/>
+              </a:spcBef>
+              <a:buFont typeface="Arial" panose="020B0604020202020204" pitchFamily="34" charset="0"/>
+              <a:buChar char="•"/>
+              <a:defRPr sz="1800" kern="1200">
+                <a:solidFill>
+                  <a:schemeClr val="tx1"/>
+                </a:solidFill>
+                <a:latin typeface="+mn-lt"/>
+                <a:ea typeface="+mn-ea"/>
+                <a:cs typeface="+mn-cs"/>
+              </a:defRPr>
+            </a:lvl6pPr>
+            <a:lvl7pPr marL="2971800" indent="-228600" algn="l" defTabSz="914400" rtl="0" eaLnBrk="1" latinLnBrk="0" hangingPunct="1">
+              <a:lnSpc>
+                <a:spcPct val="90000"/>
+              </a:lnSpc>
+              <a:spcBef>
+                <a:spcPts val="500"/>
+              </a:spcBef>
+              <a:buFont typeface="Arial" panose="020B0604020202020204" pitchFamily="34" charset="0"/>
+              <a:buChar char="•"/>
+              <a:defRPr sz="1800" kern="1200">
+                <a:solidFill>
+                  <a:schemeClr val="tx1"/>
+                </a:solidFill>
+                <a:latin typeface="+mn-lt"/>
+                <a:ea typeface="+mn-ea"/>
+                <a:cs typeface="+mn-cs"/>
+              </a:defRPr>
+            </a:lvl7pPr>
+            <a:lvl8pPr marL="3429000" indent="-228600" algn="l" defTabSz="914400" rtl="0" eaLnBrk="1" latinLnBrk="0" hangingPunct="1">
+              <a:lnSpc>
+                <a:spcPct val="90000"/>
+              </a:lnSpc>
+              <a:spcBef>
+                <a:spcPts val="500"/>
+              </a:spcBef>
+              <a:buFont typeface="Arial" panose="020B0604020202020204" pitchFamily="34" charset="0"/>
+              <a:buChar char="•"/>
+              <a:defRPr sz="1800" kern="1200">
+                <a:solidFill>
+                  <a:schemeClr val="tx1"/>
+                </a:solidFill>
+                <a:latin typeface="+mn-lt"/>
+                <a:ea typeface="+mn-ea"/>
+                <a:cs typeface="+mn-cs"/>
+              </a:defRPr>
+            </a:lvl8pPr>
+            <a:lvl9pPr marL="3886200" indent="-228600" algn="l" defTabSz="914400" rtl="0" eaLnBrk="1" latinLnBrk="0" hangingPunct="1">
+              <a:lnSpc>
+                <a:spcPct val="90000"/>
+              </a:lnSpc>
+              <a:spcBef>
+                <a:spcPts val="500"/>
+              </a:spcBef>
+              <a:buFont typeface="Arial" panose="020B0604020202020204" pitchFamily="34" charset="0"/>
+              <a:buChar char="•"/>
+              <a:defRPr sz="1800" kern="1200">
+                <a:solidFill>
+                  <a:schemeClr val="tx1"/>
+                </a:solidFill>
+                <a:latin typeface="+mn-lt"/>
+                <a:ea typeface="+mn-ea"/>
+                <a:cs typeface="+mn-cs"/>
+              </a:defRPr>
+            </a:lvl9pPr>
+          </a:lstStyle>
+          <a:p>
+            <a:r>
+              <a:rPr lang="en-US" dirty="0">
+                <a:latin typeface="Century Schoolbook" panose="02040604050505020304" pitchFamily="18" charset="0"/>
+              </a:rPr>
+              <a:t> Data exploration </a:t>
+            </a:r>
+          </a:p>
+          <a:p>
+            <a:pPr marL="0" indent="0">
+              <a:buFont typeface="Arial" panose="020B0604020202020204" pitchFamily="34" charset="0"/>
+              <a:buNone/>
+            </a:pPr>
+            <a:endParaRPr lang="en-US" dirty="0">
+              <a:latin typeface="Century Schoolbook" panose="02040604050505020304" pitchFamily="18" charset="0"/>
+            </a:endParaRPr>
+          </a:p>
+          <a:p>
+            <a:r>
+              <a:rPr lang="en-US" dirty="0">
+                <a:latin typeface="Century Schoolbook" panose="02040604050505020304" pitchFamily="18" charset="0"/>
+              </a:rPr>
+              <a:t>Classification methods/Risk quantification. </a:t>
+            </a:r>
+          </a:p>
+          <a:p>
+            <a:pPr marL="0" indent="0">
+              <a:buFont typeface="Arial" panose="020B0604020202020204" pitchFamily="34" charset="0"/>
+              <a:buNone/>
+            </a:pPr>
+            <a:endParaRPr lang="en-US" dirty="0">
+              <a:latin typeface="Century Schoolbook" panose="02040604050505020304" pitchFamily="18" charset="0"/>
+            </a:endParaRPr>
+          </a:p>
+          <a:p>
+            <a:r>
+              <a:rPr lang="en-US" dirty="0">
+                <a:latin typeface="Century Schoolbook" panose="02040604050505020304" pitchFamily="18" charset="0"/>
+              </a:rPr>
+              <a:t>Estimate return from Regression methods</a:t>
+            </a:r>
+          </a:p>
+          <a:p>
+            <a:endParaRPr lang="en-US" dirty="0">
+              <a:latin typeface="Century Schoolbook" panose="02040604050505020304" pitchFamily="18" charset="0"/>
+            </a:endParaRPr>
+          </a:p>
+        </p:txBody>
+      </p:sp>
       <p:cxnSp>
         <p:nvCxnSpPr>
-          <p:cNvPr id="11" name="Straight Connector 10">
+          <p:cNvPr id="4" name="Straight Connector 3">
             <a:extLst>
               <a:ext uri="{FF2B5EF4-FFF2-40B4-BE49-F238E27FC236}">
-                <a16:creationId xmlns:a16="http://schemas.microsoft.com/office/drawing/2014/main" id="{4ED0C19B-6300-4D70-8190-1F23AEACB1C9}"/>
+                <a16:creationId xmlns:a16="http://schemas.microsoft.com/office/drawing/2014/main" id="{1BFAC028-035B-4111-ADE8-7DF7F9C6CE87}"/>
               </a:ext>
             </a:extLst>
           </p:cNvPr>
@@ -6465,16 +6447,16 @@
           <p:nvPr/>
         </p:nvCxnSpPr>
         <p:spPr>
-          <a:xfrm flipV="1">
-            <a:off x="7181851" y="937549"/>
-            <a:ext cx="2367263" cy="1990847"/>
+          <a:xfrm flipH="1">
+            <a:off x="4244741" y="1848051"/>
+            <a:ext cx="1347537" cy="3811604"/>
           </a:xfrm>
           <a:prstGeom prst="line">
             <a:avLst/>
           </a:prstGeom>
-          <a:ln w="25400">
+          <a:ln w="19050">
             <a:solidFill>
-              <a:schemeClr val="bg1"/>
+              <a:schemeClr val="tx1"/>
             </a:solidFill>
           </a:ln>
         </p:spPr>
@@ -6493,312 +6475,6 @@
           </a:fontRef>
         </p:style>
       </p:cxnSp>
-      <p:sp>
-        <p:nvSpPr>
-          <p:cNvPr id="15" name="Title 1">
-            <a:extLst>
-              <a:ext uri="{FF2B5EF4-FFF2-40B4-BE49-F238E27FC236}">
-                <a16:creationId xmlns:a16="http://schemas.microsoft.com/office/drawing/2014/main" id="{51EAA789-0B96-4B41-B196-56E392BF84AA}"/>
-              </a:ext>
-            </a:extLst>
-          </p:cNvPr>
-          <p:cNvSpPr txBox="1">
-            <a:spLocks/>
-          </p:cNvSpPr>
-          <p:nvPr/>
-        </p:nvSpPr>
-        <p:spPr>
-          <a:xfrm>
-            <a:off x="2189686" y="631145"/>
-            <a:ext cx="11231280" cy="959198"/>
-          </a:xfrm>
-          <a:prstGeom prst="rect">
-            <a:avLst/>
-          </a:prstGeom>
-        </p:spPr>
-        <p:txBody>
-          <a:bodyPr vert="horz" lIns="91440" tIns="45720" rIns="91440" bIns="45720" rtlCol="0" anchor="ctr">
-            <a:normAutofit/>
-          </a:bodyPr>
-          <a:lstStyle>
-            <a:lvl1pPr algn="l" defTabSz="914400" rtl="0" eaLnBrk="1" latinLnBrk="0" hangingPunct="1">
-              <a:lnSpc>
-                <a:spcPct val="90000"/>
-              </a:lnSpc>
-              <a:spcBef>
-                <a:spcPct val="0"/>
-              </a:spcBef>
-              <a:buNone/>
-              <a:defRPr sz="4400" kern="1200">
-                <a:solidFill>
-                  <a:schemeClr val="tx1"/>
-                </a:solidFill>
-                <a:latin typeface="+mj-lt"/>
-                <a:ea typeface="+mj-ea"/>
-                <a:cs typeface="+mj-cs"/>
-              </a:defRPr>
-            </a:lvl1pPr>
-          </a:lstStyle>
-          <a:p>
-            <a:pPr algn="ctr"/>
-            <a:r>
-              <a:rPr lang="en-US">
-                <a:solidFill>
-                  <a:srgbClr val="002060"/>
-                </a:solidFill>
-                <a:latin typeface="Century Schoolbook" panose="02040604050505020304" pitchFamily="18" charset="0"/>
-              </a:rPr>
-              <a:t>Approach</a:t>
-            </a:r>
-            <a:endParaRPr lang="en-US" dirty="0">
-              <a:solidFill>
-                <a:srgbClr val="002060"/>
-              </a:solidFill>
-              <a:latin typeface="Century Schoolbook" panose="02040604050505020304" pitchFamily="18" charset="0"/>
-            </a:endParaRPr>
-          </a:p>
-        </p:txBody>
-      </p:sp>
-      <p:sp>
-        <p:nvSpPr>
-          <p:cNvPr id="18" name="Content Placeholder 2">
-            <a:extLst>
-              <a:ext uri="{FF2B5EF4-FFF2-40B4-BE49-F238E27FC236}">
-                <a16:creationId xmlns:a16="http://schemas.microsoft.com/office/drawing/2014/main" id="{2D166478-CC70-40B3-A29A-C313439D0EE5}"/>
-              </a:ext>
-            </a:extLst>
-          </p:cNvPr>
-          <p:cNvSpPr txBox="1">
-            <a:spLocks/>
-          </p:cNvSpPr>
-          <p:nvPr/>
-        </p:nvSpPr>
-        <p:spPr>
-          <a:xfrm>
-            <a:off x="5848350" y="2025369"/>
-            <a:ext cx="5467350" cy="3821997"/>
-          </a:xfrm>
-          <a:prstGeom prst="rect">
-            <a:avLst/>
-          </a:prstGeom>
-        </p:spPr>
-        <p:txBody>
-          <a:bodyPr vert="horz" lIns="91440" tIns="45720" rIns="91440" bIns="45720" rtlCol="0">
-            <a:normAutofit/>
-          </a:bodyPr>
-          <a:lstStyle>
-            <a:lvl1pPr marL="228600" indent="-228600" algn="l" defTabSz="914400" rtl="0" eaLnBrk="1" latinLnBrk="0" hangingPunct="1">
-              <a:lnSpc>
-                <a:spcPct val="90000"/>
-              </a:lnSpc>
-              <a:spcBef>
-                <a:spcPts val="1000"/>
-              </a:spcBef>
-              <a:buFont typeface="Arial" panose="020B0604020202020204" pitchFamily="34" charset="0"/>
-              <a:buChar char="•"/>
-              <a:defRPr sz="2800" kern="1200">
-                <a:solidFill>
-                  <a:schemeClr val="tx1"/>
-                </a:solidFill>
-                <a:latin typeface="+mn-lt"/>
-                <a:ea typeface="+mn-ea"/>
-                <a:cs typeface="+mn-cs"/>
-              </a:defRPr>
-            </a:lvl1pPr>
-            <a:lvl2pPr marL="685800" indent="-228600" algn="l" defTabSz="914400" rtl="0" eaLnBrk="1" latinLnBrk="0" hangingPunct="1">
-              <a:lnSpc>
-                <a:spcPct val="90000"/>
-              </a:lnSpc>
-              <a:spcBef>
-                <a:spcPts val="500"/>
-              </a:spcBef>
-              <a:buFont typeface="Arial" panose="020B0604020202020204" pitchFamily="34" charset="0"/>
-              <a:buChar char="•"/>
-              <a:defRPr sz="2400" kern="1200">
-                <a:solidFill>
-                  <a:schemeClr val="tx1"/>
-                </a:solidFill>
-                <a:latin typeface="+mn-lt"/>
-                <a:ea typeface="+mn-ea"/>
-                <a:cs typeface="+mn-cs"/>
-              </a:defRPr>
-            </a:lvl2pPr>
-            <a:lvl3pPr marL="1143000" indent="-228600" algn="l" defTabSz="914400" rtl="0" eaLnBrk="1" latinLnBrk="0" hangingPunct="1">
-              <a:lnSpc>
-                <a:spcPct val="90000"/>
-              </a:lnSpc>
-              <a:spcBef>
-                <a:spcPts val="500"/>
-              </a:spcBef>
-              <a:buFont typeface="Arial" panose="020B0604020202020204" pitchFamily="34" charset="0"/>
-              <a:buChar char="•"/>
-              <a:defRPr sz="2000" kern="1200">
-                <a:solidFill>
-                  <a:schemeClr val="tx1"/>
-                </a:solidFill>
-                <a:latin typeface="+mn-lt"/>
-                <a:ea typeface="+mn-ea"/>
-                <a:cs typeface="+mn-cs"/>
-              </a:defRPr>
-            </a:lvl3pPr>
-            <a:lvl4pPr marL="1600200" indent="-228600" algn="l" defTabSz="914400" rtl="0" eaLnBrk="1" latinLnBrk="0" hangingPunct="1">
-              <a:lnSpc>
-                <a:spcPct val="90000"/>
-              </a:lnSpc>
-              <a:spcBef>
-                <a:spcPts val="500"/>
-              </a:spcBef>
-              <a:buFont typeface="Arial" panose="020B0604020202020204" pitchFamily="34" charset="0"/>
-              <a:buChar char="•"/>
-              <a:defRPr sz="1800" kern="1200">
-                <a:solidFill>
-                  <a:schemeClr val="tx1"/>
-                </a:solidFill>
-                <a:latin typeface="+mn-lt"/>
-                <a:ea typeface="+mn-ea"/>
-                <a:cs typeface="+mn-cs"/>
-              </a:defRPr>
-            </a:lvl4pPr>
-            <a:lvl5pPr marL="2057400" indent="-228600" algn="l" defTabSz="914400" rtl="0" eaLnBrk="1" latinLnBrk="0" hangingPunct="1">
-              <a:lnSpc>
-                <a:spcPct val="90000"/>
-              </a:lnSpc>
-              <a:spcBef>
-                <a:spcPts val="500"/>
-              </a:spcBef>
-              <a:buFont typeface="Arial" panose="020B0604020202020204" pitchFamily="34" charset="0"/>
-              <a:buChar char="•"/>
-              <a:defRPr sz="1800" kern="1200">
-                <a:solidFill>
-                  <a:schemeClr val="tx1"/>
-                </a:solidFill>
-                <a:latin typeface="+mn-lt"/>
-                <a:ea typeface="+mn-ea"/>
-                <a:cs typeface="+mn-cs"/>
-              </a:defRPr>
-            </a:lvl5pPr>
-            <a:lvl6pPr marL="2514600" indent="-228600" algn="l" defTabSz="914400" rtl="0" eaLnBrk="1" latinLnBrk="0" hangingPunct="1">
-              <a:lnSpc>
-                <a:spcPct val="90000"/>
-              </a:lnSpc>
-              <a:spcBef>
-                <a:spcPts val="500"/>
-              </a:spcBef>
-              <a:buFont typeface="Arial" panose="020B0604020202020204" pitchFamily="34" charset="0"/>
-              <a:buChar char="•"/>
-              <a:defRPr sz="1800" kern="1200">
-                <a:solidFill>
-                  <a:schemeClr val="tx1"/>
-                </a:solidFill>
-                <a:latin typeface="+mn-lt"/>
-                <a:ea typeface="+mn-ea"/>
-                <a:cs typeface="+mn-cs"/>
-              </a:defRPr>
-            </a:lvl6pPr>
-            <a:lvl7pPr marL="2971800" indent="-228600" algn="l" defTabSz="914400" rtl="0" eaLnBrk="1" latinLnBrk="0" hangingPunct="1">
-              <a:lnSpc>
-                <a:spcPct val="90000"/>
-              </a:lnSpc>
-              <a:spcBef>
-                <a:spcPts val="500"/>
-              </a:spcBef>
-              <a:buFont typeface="Arial" panose="020B0604020202020204" pitchFamily="34" charset="0"/>
-              <a:buChar char="•"/>
-              <a:defRPr sz="1800" kern="1200">
-                <a:solidFill>
-                  <a:schemeClr val="tx1"/>
-                </a:solidFill>
-                <a:latin typeface="+mn-lt"/>
-                <a:ea typeface="+mn-ea"/>
-                <a:cs typeface="+mn-cs"/>
-              </a:defRPr>
-            </a:lvl7pPr>
-            <a:lvl8pPr marL="3429000" indent="-228600" algn="l" defTabSz="914400" rtl="0" eaLnBrk="1" latinLnBrk="0" hangingPunct="1">
-              <a:lnSpc>
-                <a:spcPct val="90000"/>
-              </a:lnSpc>
-              <a:spcBef>
-                <a:spcPts val="500"/>
-              </a:spcBef>
-              <a:buFont typeface="Arial" panose="020B0604020202020204" pitchFamily="34" charset="0"/>
-              <a:buChar char="•"/>
-              <a:defRPr sz="1800" kern="1200">
-                <a:solidFill>
-                  <a:schemeClr val="tx1"/>
-                </a:solidFill>
-                <a:latin typeface="+mn-lt"/>
-                <a:ea typeface="+mn-ea"/>
-                <a:cs typeface="+mn-cs"/>
-              </a:defRPr>
-            </a:lvl8pPr>
-            <a:lvl9pPr marL="3886200" indent="-228600" algn="l" defTabSz="914400" rtl="0" eaLnBrk="1" latinLnBrk="0" hangingPunct="1">
-              <a:lnSpc>
-                <a:spcPct val="90000"/>
-              </a:lnSpc>
-              <a:spcBef>
-                <a:spcPts val="500"/>
-              </a:spcBef>
-              <a:buFont typeface="Arial" panose="020B0604020202020204" pitchFamily="34" charset="0"/>
-              <a:buChar char="•"/>
-              <a:defRPr sz="1800" kern="1200">
-                <a:solidFill>
-                  <a:schemeClr val="tx1"/>
-                </a:solidFill>
-                <a:latin typeface="+mn-lt"/>
-                <a:ea typeface="+mn-ea"/>
-                <a:cs typeface="+mn-cs"/>
-              </a:defRPr>
-            </a:lvl9pPr>
-          </a:lstStyle>
-          <a:p>
-            <a:r>
-              <a:rPr lang="en-US" dirty="0">
-                <a:latin typeface="Century Schoolbook" panose="02040604050505020304" pitchFamily="18" charset="0"/>
-              </a:rPr>
-              <a:t> Data exploration </a:t>
-            </a:r>
-          </a:p>
-          <a:p>
-            <a:pPr marL="0" indent="0">
-              <a:buFont typeface="Arial" panose="020B0604020202020204" pitchFamily="34" charset="0"/>
-              <a:buNone/>
-            </a:pPr>
-            <a:endParaRPr lang="en-US" dirty="0">
-              <a:latin typeface="Century Schoolbook" panose="02040604050505020304" pitchFamily="18" charset="0"/>
-            </a:endParaRPr>
-          </a:p>
-          <a:p>
-            <a:r>
-              <a:rPr lang="en-US" dirty="0">
-                <a:latin typeface="Century Schoolbook" panose="02040604050505020304" pitchFamily="18" charset="0"/>
-              </a:rPr>
-              <a:t>Classification methods/Risk quantification. </a:t>
-            </a:r>
-          </a:p>
-          <a:p>
-            <a:pPr marL="0" indent="0">
-              <a:buFont typeface="Arial" panose="020B0604020202020204" pitchFamily="34" charset="0"/>
-              <a:buNone/>
-            </a:pPr>
-            <a:endParaRPr lang="en-US" dirty="0">
-              <a:latin typeface="Century Schoolbook" panose="02040604050505020304" pitchFamily="18" charset="0"/>
-            </a:endParaRPr>
-          </a:p>
-          <a:p>
-            <a:r>
-              <a:rPr lang="en-US" dirty="0">
-                <a:latin typeface="Century Schoolbook" panose="02040604050505020304" pitchFamily="18" charset="0"/>
-              </a:rPr>
-              <a:t>Estimate return from Regression methods</a:t>
-            </a:r>
-          </a:p>
-          <a:p>
-            <a:endParaRPr lang="en-US" dirty="0">
-              <a:latin typeface="Century Schoolbook" panose="02040604050505020304" pitchFamily="18" charset="0"/>
-            </a:endParaRPr>
-          </a:p>
-        </p:txBody>
-      </p:sp>
     </p:spTree>
     <p:extLst>
       <p:ext uri="{BB962C8B-B14F-4D97-AF65-F5344CB8AC3E}">
@@ -6845,8 +6521,8 @@
         </p:nvSpPr>
         <p:spPr>
           <a:xfrm>
-            <a:off x="957072" y="201772"/>
-            <a:ext cx="5472303" cy="1325562"/>
+            <a:off x="8188" y="317275"/>
+            <a:ext cx="6087812" cy="1325562"/>
           </a:xfrm>
           <a:prstGeom prst="rect">
             <a:avLst/>
@@ -6854,7 +6530,7 @@
         </p:spPr>
         <p:txBody>
           <a:bodyPr vert="horz" lIns="91440" tIns="45720" rIns="91440" bIns="45720" rtlCol="0" anchor="ctr">
-            <a:normAutofit/>
+            <a:normAutofit fontScale="92500"/>
           </a:bodyPr>
           <a:lstStyle>
             <a:lvl1pPr algn="l" defTabSz="914400" rtl="0" eaLnBrk="1" latinLnBrk="0" hangingPunct="1">
@@ -6878,9 +6554,9 @@
           <a:p>
             <a:pPr algn="ctr"/>
             <a:r>
-              <a:rPr lang="en-US" dirty="0">
-                <a:solidFill>
-                  <a:srgbClr val="002060"/>
+              <a:rPr lang="en-US" sz="5400" dirty="0">
+                <a:solidFill>
+                  <a:srgbClr val="FFC000"/>
                 </a:solidFill>
                 <a:latin typeface="Century Schoolbook" panose="02040604050505020304" pitchFamily="18" charset="0"/>
               </a:rPr>
@@ -6907,8 +6583,8 @@
         </p:nvSpPr>
         <p:spPr>
           <a:xfrm>
-            <a:off x="648677" y="2338086"/>
-            <a:ext cx="5090922" cy="3770300"/>
+            <a:off x="687178" y="1914574"/>
+            <a:ext cx="4943601" cy="4333825"/>
           </a:xfrm>
         </p:spPr>
         <p:txBody>
@@ -6917,6 +6593,11 @@
           </a:bodyPr>
           <a:lstStyle/>
           <a:p>
+            <a:pPr>
+              <a:lnSpc>
+                <a:spcPct val="110000"/>
+              </a:lnSpc>
+            </a:pPr>
             <a:r>
               <a:rPr lang="en-US" dirty="0">
                 <a:latin typeface="Century Schoolbook" panose="02040604050505020304" pitchFamily="18" charset="0"/>
@@ -6925,11 +6606,21 @@
             </a:r>
           </a:p>
           <a:p>
+            <a:pPr>
+              <a:lnSpc>
+                <a:spcPct val="110000"/>
+              </a:lnSpc>
+            </a:pPr>
             <a:endParaRPr lang="en-US" sz="2800" dirty="0">
               <a:latin typeface="Century Schoolbook" panose="02040604050505020304" pitchFamily="18" charset="0"/>
             </a:endParaRPr>
           </a:p>
           <a:p>
+            <a:pPr>
+              <a:lnSpc>
+                <a:spcPct val="110000"/>
+              </a:lnSpc>
+            </a:pPr>
             <a:r>
               <a:rPr lang="en-US" dirty="0">
                 <a:latin typeface="Century Schoolbook" panose="02040604050505020304" pitchFamily="18" charset="0"/>
@@ -7040,8 +6731,8 @@
         </p:nvSpPr>
         <p:spPr>
           <a:xfrm>
-            <a:off x="957072" y="201772"/>
-            <a:ext cx="5777103" cy="1325562"/>
+            <a:off x="298113" y="201772"/>
+            <a:ext cx="11569836" cy="1325562"/>
           </a:xfrm>
           <a:prstGeom prst="rect">
             <a:avLst/>
@@ -7073,13 +6764,13 @@
           <a:p>
             <a:pPr algn="ctr"/>
             <a:r>
-              <a:rPr lang="en-US" dirty="0">
-                <a:solidFill>
-                  <a:srgbClr val="002060"/>
+              <a:rPr lang="en-US" sz="5400" dirty="0">
+                <a:solidFill>
+                  <a:srgbClr val="FFC000"/>
                 </a:solidFill>
                 <a:latin typeface="Century Schoolbook" panose="02040604050505020304" pitchFamily="18" charset="0"/>
               </a:rPr>
-              <a:t>Recent Credit history</a:t>
+              <a:t>Credit history</a:t>
             </a:r>
           </a:p>
         </p:txBody>
@@ -7102,13 +6793,13 @@
         </p:nvSpPr>
         <p:spPr>
           <a:xfrm>
-            <a:off x="298113" y="1762508"/>
-            <a:ext cx="2902287" cy="3332984"/>
+            <a:off x="298113" y="1490997"/>
+            <a:ext cx="2902287" cy="3956040"/>
           </a:xfrm>
         </p:spPr>
         <p:txBody>
           <a:bodyPr>
-            <a:normAutofit lnSpcReduction="10000"/>
+            <a:normAutofit/>
           </a:bodyPr>
           <a:lstStyle/>
           <a:p>
@@ -7166,7 +6857,7 @@
         </p:blipFill>
         <p:spPr bwMode="auto">
           <a:xfrm>
-            <a:off x="7686640" y="1362075"/>
+            <a:off x="7769057" y="1498158"/>
             <a:ext cx="4369049" cy="3948879"/>
           </a:xfrm>
           <a:prstGeom prst="rect">
@@ -7258,8 +6949,8 @@
         </p:blipFill>
         <p:spPr bwMode="auto">
           <a:xfrm>
-            <a:off x="3372208" y="1527334"/>
-            <a:ext cx="4225041" cy="3890529"/>
+            <a:off x="3372208" y="1490996"/>
+            <a:ext cx="4288408" cy="3948879"/>
           </a:xfrm>
           <a:prstGeom prst="rect">
             <a:avLst/>
@@ -7292,7 +6983,7 @@
 <file path=ppt/theme/theme1.xml><?xml version="1.0" encoding="utf-8"?>
 <a:theme xmlns:a="http://schemas.openxmlformats.org/drawingml/2006/main" name="Office Theme">
   <a:themeElements>
-    <a:clrScheme name="Office">
+    <a:clrScheme name="Office Theme">
       <a:dk1>
         <a:sysClr val="windowText" lastClr="000000"/>
       </a:dk1>
@@ -7306,22 +6997,22 @@
         <a:srgbClr val="E7E6E6"/>
       </a:lt2>
       <a:accent1>
-        <a:srgbClr val="4472C4"/>
+        <a:srgbClr val="1D9A78"/>
       </a:accent1>
       <a:accent2>
-        <a:srgbClr val="ED7D31"/>
+        <a:srgbClr val="8BC145"/>
       </a:accent2>
       <a:accent3>
-        <a:srgbClr val="A5A5A5"/>
+        <a:srgbClr val="36AFCE"/>
       </a:accent3>
       <a:accent4>
-        <a:srgbClr val="FFC000"/>
+        <a:srgbClr val="1D6FA9"/>
       </a:accent4>
       <a:accent5>
-        <a:srgbClr val="5B9BD5"/>
+        <a:srgbClr val="B74919"/>
       </a:accent5>
       <a:accent6>
-        <a:srgbClr val="70AD47"/>
+        <a:srgbClr val="F19D19"/>
       </a:accent6>
       <a:hlink>
         <a:srgbClr val="0563C1"/>
@@ -7330,7 +7021,7 @@
         <a:srgbClr val="954F72"/>
       </a:folHlink>
     </a:clrScheme>
-    <a:fontScheme name="Office">
+    <a:fontScheme name="Office Theme">
       <a:majorFont>
         <a:latin typeface="Calibri Light" panose="020F0302020204030204"/>
         <a:ea typeface=""/>
@@ -7365,23 +7056,6 @@
         <a:font script="Viet" typeface="Times New Roman"/>
         <a:font script="Uigh" typeface="Microsoft Uighur"/>
         <a:font script="Geor" typeface="Sylfaen"/>
-        <a:font script="Armn" typeface="Arial"/>
-        <a:font script="Bugi" typeface="Leelawadee UI"/>
-        <a:font script="Bopo" typeface="Microsoft JhengHei"/>
-        <a:font script="Java" typeface="Javanese Text"/>
-        <a:font script="Lisu" typeface="Segoe UI"/>
-        <a:font script="Mymr" typeface="Myanmar Text"/>
-        <a:font script="Nkoo" typeface="Ebrima"/>
-        <a:font script="Olck" typeface="Nirmala UI"/>
-        <a:font script="Osma" typeface="Ebrima"/>
-        <a:font script="Phag" typeface="Phagspa"/>
-        <a:font script="Syrn" typeface="Estrangelo Edessa"/>
-        <a:font script="Syrj" typeface="Estrangelo Edessa"/>
-        <a:font script="Syre" typeface="Estrangelo Edessa"/>
-        <a:font script="Sora" typeface="Nirmala UI"/>
-        <a:font script="Tale" typeface="Microsoft Tai Le"/>
-        <a:font script="Talu" typeface="Microsoft New Tai Lue"/>
-        <a:font script="Tfng" typeface="Ebrima"/>
       </a:majorFont>
       <a:minorFont>
         <a:latin typeface="Calibri" panose="020F0502020204030204"/>
@@ -7417,26 +7091,9 @@
         <a:font script="Viet" typeface="Arial"/>
         <a:font script="Uigh" typeface="Microsoft Uighur"/>
         <a:font script="Geor" typeface="Sylfaen"/>
-        <a:font script="Armn" typeface="Arial"/>
-        <a:font script="Bugi" typeface="Leelawadee UI"/>
-        <a:font script="Bopo" typeface="Microsoft JhengHei"/>
-        <a:font script="Java" typeface="Javanese Text"/>
-        <a:font script="Lisu" typeface="Segoe UI"/>
-        <a:font script="Mymr" typeface="Myanmar Text"/>
-        <a:font script="Nkoo" typeface="Ebrima"/>
-        <a:font script="Olck" typeface="Nirmala UI"/>
-        <a:font script="Osma" typeface="Ebrima"/>
-        <a:font script="Phag" typeface="Phagspa"/>
-        <a:font script="Syrn" typeface="Estrangelo Edessa"/>
-        <a:font script="Syrj" typeface="Estrangelo Edessa"/>
-        <a:font script="Syre" typeface="Estrangelo Edessa"/>
-        <a:font script="Sora" typeface="Nirmala UI"/>
-        <a:font script="Tale" typeface="Microsoft Tai Le"/>
-        <a:font script="Talu" typeface="Microsoft New Tai Lue"/>
-        <a:font script="Tfng" typeface="Ebrima"/>
       </a:minorFont>
     </a:fontScheme>
-    <a:fmtScheme name="Office">
+    <a:fmtScheme name="Milk Glass">
       <a:fillStyleLst>
         <a:solidFill>
           <a:schemeClr val="phClr"/>
@@ -7445,93 +7102,137 @@
           <a:gsLst>
             <a:gs pos="0">
               <a:schemeClr val="phClr">
-                <a:lumMod val="110000"/>
-                <a:satMod val="105000"/>
-                <a:tint val="67000"/>
+                <a:tint val="15000"/>
+                <a:satMod val="250000"/>
               </a:schemeClr>
             </a:gs>
-            <a:gs pos="50000">
+            <a:gs pos="49000">
               <a:schemeClr val="phClr">
-                <a:lumMod val="105000"/>
-                <a:satMod val="103000"/>
-                <a:tint val="73000"/>
+                <a:tint val="50000"/>
+                <a:satMod val="200000"/>
+              </a:schemeClr>
+            </a:gs>
+            <a:gs pos="49100">
+              <a:schemeClr val="phClr">
+                <a:tint val="64000"/>
+                <a:satMod val="160000"/>
+              </a:schemeClr>
+            </a:gs>
+            <a:gs pos="92000">
+              <a:schemeClr val="phClr">
+                <a:tint val="50000"/>
+                <a:satMod val="200000"/>
               </a:schemeClr>
             </a:gs>
             <a:gs pos="100000">
               <a:schemeClr val="phClr">
-                <a:lumMod val="105000"/>
-                <a:satMod val="109000"/>
-                <a:tint val="81000"/>
+                <a:tint val="43000"/>
+                <a:satMod val="190000"/>
               </a:schemeClr>
             </a:gs>
           </a:gsLst>
-          <a:lin ang="5400000" scaled="0"/>
+          <a:lin ang="5400000" scaled="1"/>
         </a:gradFill>
         <a:gradFill rotWithShape="1">
           <a:gsLst>
             <a:gs pos="0">
               <a:schemeClr val="phClr">
-                <a:satMod val="103000"/>
-                <a:lumMod val="102000"/>
-                <a:tint val="94000"/>
+                <a:tint val="74000"/>
               </a:schemeClr>
             </a:gs>
-            <a:gs pos="50000">
+            <a:gs pos="49000">
               <a:schemeClr val="phClr">
+                <a:tint val="96000"/>
+                <a:shade val="84000"/>
                 <a:satMod val="110000"/>
-                <a:lumMod val="100000"/>
-                <a:shade val="100000"/>
+              </a:schemeClr>
+            </a:gs>
+            <a:gs pos="49100">
+              <a:schemeClr val="phClr">
+                <a:shade val="55000"/>
+                <a:satMod val="150000"/>
+              </a:schemeClr>
+            </a:gs>
+            <a:gs pos="92000">
+              <a:schemeClr val="phClr">
+                <a:tint val="98000"/>
+                <a:shade val="90000"/>
+                <a:satMod val="128000"/>
               </a:schemeClr>
             </a:gs>
             <a:gs pos="100000">
               <a:schemeClr val="phClr">
-                <a:lumMod val="99000"/>
-                <a:satMod val="120000"/>
-                <a:shade val="78000"/>
+                <a:tint val="90000"/>
+                <a:shade val="97000"/>
+                <a:satMod val="128000"/>
               </a:schemeClr>
             </a:gs>
           </a:gsLst>
-          <a:lin ang="5400000" scaled="0"/>
+          <a:lin ang="5400000" scaled="1"/>
         </a:gradFill>
       </a:fillStyleLst>
       <a:lnStyleLst>
-        <a:ln w="6350" cap="flat" cmpd="sng" algn="ctr">
+        <a:ln w="11430" cap="flat" cmpd="sng" algn="ctr">
           <a:solidFill>
             <a:schemeClr val="phClr"/>
           </a:solidFill>
           <a:prstDash val="solid"/>
-          <a:miter lim="800000"/>
         </a:ln>
-        <a:ln w="12700" cap="flat" cmpd="sng" algn="ctr">
+        <a:ln w="40000" cap="flat" cmpd="sng" algn="ctr">
           <a:solidFill>
             <a:schemeClr val="phClr"/>
           </a:solidFill>
           <a:prstDash val="solid"/>
-          <a:miter lim="800000"/>
         </a:ln>
-        <a:ln w="19050" cap="flat" cmpd="sng" algn="ctr">
+        <a:ln w="31800" cap="flat" cmpd="sng" algn="ctr">
           <a:solidFill>
             <a:schemeClr val="phClr"/>
           </a:solidFill>
           <a:prstDash val="solid"/>
-          <a:miter lim="800000"/>
         </a:ln>
       </a:lnStyleLst>
       <a:effectStyleLst>
         <a:effectStyle>
-          <a:effectLst/>
-        </a:effectStyle>
-        <a:effectStyle>
-          <a:effectLst/>
+          <a:effectLst>
+            <a:outerShdw blurRad="50800" dist="25000" dir="5400000" rotWithShape="0">
+              <a:schemeClr val="phClr">
+                <a:shade val="30000"/>
+                <a:satMod val="150000"/>
+                <a:alpha val="38000"/>
+              </a:schemeClr>
+            </a:outerShdw>
+          </a:effectLst>
         </a:effectStyle>
         <a:effectStyle>
           <a:effectLst>
-            <a:outerShdw blurRad="57150" dist="19050" dir="5400000" algn="ctr" rotWithShape="0">
-              <a:srgbClr val="000000">
-                <a:alpha val="63000"/>
-              </a:srgbClr>
+            <a:outerShdw blurRad="39000" dist="25400" dir="5400000" rotWithShape="0">
+              <a:schemeClr val="phClr">
+                <a:shade val="33000"/>
+                <a:alpha val="83000"/>
+              </a:schemeClr>
             </a:outerShdw>
           </a:effectLst>
+        </a:effectStyle>
+        <a:effectStyle>
+          <a:effectLst>
+            <a:outerShdw blurRad="39000" dist="25400" dir="5400000" rotWithShape="0">
+              <a:schemeClr val="phClr">
+                <a:shade val="33000"/>
+                <a:alpha val="83000"/>
+              </a:schemeClr>
+            </a:outerShdw>
+          </a:effectLst>
+          <a:scene3d>
+            <a:camera prst="orthographicFront" fov="0">
+              <a:rot lat="0" lon="0" rev="0"/>
+            </a:camera>
+            <a:lightRig rig="contrasting" dir="t">
+              <a:rot lat="0" lon="0" rev="1500000"/>
+            </a:lightRig>
+          </a:scene3d>
+          <a:sp3d extrusionH="127000" prstMaterial="powder">
+            <a:bevelT w="50800" h="63500"/>
+          </a:sp3d>
         </a:effectStyle>
       </a:effectStyleLst>
       <a:bgFillStyleLst>
@@ -7578,7 +7279,7 @@
   <a:extraClrSchemeLst/>
   <a:extLst>
     <a:ext uri="{05A4C25C-085E-4340-85A3-A5531E510DB2}">
-      <thm15:themeFamily xmlns:thm15="http://schemas.microsoft.com/office/thememl/2012/main" name="Office Theme" id="{62F939B6-93AF-4DB8-9C6B-D6C7DFDC589F}" vid="{4A3C46E8-61CC-4603-A589-7422A47A8E4A}"/>
+      <thm15:themeFamily xmlns:thm15="http://schemas.microsoft.com/office/thememl/2012/main" name="Office Theme" id="{62F939B6-93AF-4DB8-9C6B-D6C7DFDC589F}" vid="{AE6F2518-B084-4896-AF52-66CC2144AA26}"/>
     </a:ext>
   </a:extLst>
 </a:theme>
